--- a/documentation/Project Presentation.pptx
+++ b/documentation/Project Presentation.pptx
@@ -14,8 +14,9 @@
     <p:sldId id="262" r:id="rId8"/>
     <p:sldId id="263" r:id="rId9"/>
     <p:sldId id="264" r:id="rId10"/>
-    <p:sldId id="265" r:id="rId11"/>
-    <p:sldId id="266" r:id="rId12"/>
+    <p:sldId id="267" r:id="rId11"/>
+    <p:sldId id="265" r:id="rId12"/>
+    <p:sldId id="266" r:id="rId13"/>
   </p:sldIdLst>
   <p:sldSz cx="12192000" cy="6858000"/>
   <p:notesSz cx="6858000" cy="9144000"/>
@@ -6520,6 +6521,93 @@
           <a:lstStyle/>
           <a:p>
             <a:r>
+              <a:rPr lang="en-US" dirty="0"/>
+              <a:t>Project </a:t>
+            </a:r>
+            <a:r>
+              <a:rPr lang="en-US" dirty="0" smtClean="0"/>
+              <a:t>Directory Structure</a:t>
+            </a:r>
+            <a:endParaRPr lang="en-US" dirty="0"/>
+          </a:p>
+        </p:txBody>
+      </p:sp>
+      <p:pic>
+        <p:nvPicPr>
+          <p:cNvPr id="7" name="Picture 6"/>
+          <p:cNvPicPr>
+            <a:picLocks noChangeAspect="1"/>
+          </p:cNvPicPr>
+          <p:nvPr/>
+        </p:nvPicPr>
+        <p:blipFill>
+          <a:blip r:embed="rId2">
+            <a:extLst>
+              <a:ext uri="{28A0092B-C50C-407E-A947-70E740481C1C}">
+                <a14:useLocalDpi xmlns:a14="http://schemas.microsoft.com/office/drawing/2010/main" val="0"/>
+              </a:ext>
+            </a:extLst>
+          </a:blip>
+          <a:stretch>
+            <a:fillRect/>
+          </a:stretch>
+        </p:blipFill>
+        <p:spPr>
+          <a:xfrm>
+            <a:off x="677334" y="1419578"/>
+            <a:ext cx="8127999" cy="5172872"/>
+          </a:xfrm>
+          <a:prstGeom prst="rect">
+            <a:avLst/>
+          </a:prstGeom>
+        </p:spPr>
+      </p:pic>
+    </p:spTree>
+    <p:extLst>
+      <p:ext uri="{BB962C8B-B14F-4D97-AF65-F5344CB8AC3E}">
+        <p14:creationId xmlns:p14="http://schemas.microsoft.com/office/powerpoint/2010/main" val="1454834918"/>
+      </p:ext>
+    </p:extLst>
+  </p:cSld>
+  <p:clrMapOvr>
+    <a:masterClrMapping/>
+  </p:clrMapOvr>
+</p:sld>
+</file>
+
+<file path=ppt/slides/slide11.xml><?xml version="1.0" encoding="utf-8"?>
+<p:sld xmlns:a="http://schemas.openxmlformats.org/drawingml/2006/main" xmlns:r="http://schemas.openxmlformats.org/officeDocument/2006/relationships" xmlns:p="http://schemas.openxmlformats.org/presentationml/2006/main">
+  <p:cSld>
+    <p:spTree>
+      <p:nvGrpSpPr>
+        <p:cNvPr id="1" name=""/>
+        <p:cNvGrpSpPr/>
+        <p:nvPr/>
+      </p:nvGrpSpPr>
+      <p:grpSpPr>
+        <a:xfrm>
+          <a:off x="0" y="0"/>
+          <a:ext cx="0" cy="0"/>
+          <a:chOff x="0" y="0"/>
+          <a:chExt cx="0" cy="0"/>
+        </a:xfrm>
+      </p:grpSpPr>
+      <p:sp>
+        <p:nvSpPr>
+          <p:cNvPr id="2" name="Title 1"/>
+          <p:cNvSpPr>
+            <a:spLocks noGrp="1"/>
+          </p:cNvSpPr>
+          <p:nvPr>
+            <p:ph type="title"/>
+          </p:nvPr>
+        </p:nvSpPr>
+        <p:spPr/>
+        <p:txBody>
+          <a:bodyPr/>
+          <a:lstStyle/>
+          <a:p>
+            <a:r>
               <a:rPr lang="en-US" dirty="0" smtClean="0"/>
               <a:t>What’s Required To Run Project In Local?</a:t>
             </a:r>
@@ -6547,7 +6635,9 @@
           </a:xfrm>
         </p:spPr>
         <p:txBody>
-          <a:bodyPr/>
+          <a:bodyPr>
+            <a:normAutofit fontScale="92500" lnSpcReduction="20000"/>
+          </a:bodyPr>
           <a:lstStyle/>
           <a:p>
             <a:r>
@@ -6684,6 +6774,40 @@
               </a:rPr>
               <a:t>/</a:t>
             </a:r>
+            <a:endParaRPr lang="en-US" dirty="0" smtClean="0"/>
+          </a:p>
+          <a:p>
+            <a:r>
+              <a:rPr lang="en-US" dirty="0" smtClean="0"/>
+              <a:t>xml.etree.ElementTree</a:t>
+            </a:r>
+            <a:r>
+              <a:rPr lang="en-US" dirty="0"/>
+              <a:t>: </a:t>
+            </a:r>
+            <a:r>
+              <a:rPr lang="en-US" dirty="0">
+                <a:hlinkClick r:id="rId9"/>
+              </a:rPr>
+              <a:t>https://</a:t>
+            </a:r>
+            <a:r>
+              <a:rPr lang="en-US" dirty="0" smtClean="0">
+                <a:hlinkClick r:id="rId9"/>
+              </a:rPr>
+              <a:t>docs.python.org/3/library/xml.etree.elementtree.html</a:t>
+            </a:r>
+            <a:endParaRPr lang="en-US" dirty="0" smtClean="0"/>
+          </a:p>
+          <a:p>
+            <a:r>
+              <a:rPr lang="en-US" dirty="0"/>
+              <a:t>f</a:t>
+            </a:r>
+            <a:r>
+              <a:rPr lang="en-US" dirty="0" smtClean="0"/>
+              <a:t>nmatch, re and os</a:t>
+            </a:r>
             <a:endParaRPr lang="en-US" dirty="0"/>
           </a:p>
           <a:p>
@@ -6700,7 +6824,7 @@
         <p:spPr>
           <a:xfrm>
             <a:off x="677334" y="1514258"/>
-            <a:ext cx="5610577" cy="523220"/>
+            <a:ext cx="7461955" cy="461665"/>
           </a:xfrm>
           <a:prstGeom prst="rect">
             <a:avLst/>
@@ -6713,7 +6837,7 @@
           <a:lstStyle/>
           <a:p>
             <a:r>
-              <a:rPr lang="en-US" sz="2800" dirty="0">
+              <a:rPr lang="en-US" sz="2400" i="1" dirty="0" smtClean="0">
                 <a:solidFill>
                   <a:schemeClr val="accent2">
                     <a:lumMod val="75000"/>
@@ -6723,22 +6847,9 @@
                 <a:ea typeface="+mj-ea"/>
                 <a:cs typeface="+mj-cs"/>
               </a:rPr>
-              <a:t>I</a:t>
-            </a:r>
-            <a:r>
-              <a:rPr lang="en-US" sz="2800" dirty="0" smtClean="0">
-                <a:solidFill>
-                  <a:schemeClr val="accent2">
-                    <a:lumMod val="75000"/>
-                  </a:schemeClr>
-                </a:solidFill>
-                <a:latin typeface="+mj-lt"/>
-                <a:ea typeface="+mj-ea"/>
-                <a:cs typeface="+mj-cs"/>
-              </a:rPr>
-              <a:t>nstall Following Software:</a:t>
-            </a:r>
-            <a:endParaRPr lang="en-US" sz="2800" dirty="0">
+              <a:t>Need to Install Following Software:</a:t>
+            </a:r>
+            <a:endParaRPr lang="en-US" sz="2400" i="1" dirty="0">
               <a:solidFill>
                 <a:schemeClr val="accent2">
                   <a:lumMod val="75000"/>
@@ -6771,7 +6882,7 @@
 </p:sld>
 </file>
 
-<file path=ppt/slides/slide11.xml><?xml version="1.0" encoding="utf-8"?>
+<file path=ppt/slides/slide12.xml><?xml version="1.0" encoding="utf-8"?>
 <p:sld xmlns:a="http://schemas.openxmlformats.org/drawingml/2006/main" xmlns:r="http://schemas.openxmlformats.org/officeDocument/2006/relationships" xmlns:p="http://schemas.openxmlformats.org/presentationml/2006/main">
   <p:cSld>
     <p:spTree>
@@ -6825,6 +6936,16 @@
         <p:txBody>
           <a:bodyPr/>
           <a:lstStyle/>
+          <a:p>
+            <a:r>
+              <a:rPr lang="en-US" dirty="0" smtClean="0"/>
+              <a:t>Clone the repository on your local system by </a:t>
+            </a:r>
+            <a:r>
+              <a:rPr lang="en-US" smtClean="0"/>
+              <a:t>running following command on the terminal – </a:t>
+            </a:r>
+          </a:p>
           <a:p>
             <a:endParaRPr lang="en-US" dirty="0"/>
           </a:p>
@@ -8112,11 +8233,6 @@
               <a:rPr lang="en-US" dirty="0" smtClean="0"/>
               <a:t>The implementation code, dataset and project documentations can be found here:</a:t>
             </a:r>
-          </a:p>
-          <a:p>
-            <a:pPr marL="0" indent="0">
-              <a:buNone/>
-            </a:pPr>
             <a:endParaRPr lang="en-US" dirty="0"/>
           </a:p>
           <a:p>
@@ -8139,6 +8255,288 @@
           </a:p>
           <a:p>
             <a:pPr marL="0" indent="0">
+              <a:buNone/>
+            </a:pPr>
+            <a:endParaRPr lang="en-US" dirty="0"/>
+          </a:p>
+        </p:txBody>
+      </p:sp>
+      <p:sp>
+        <p:nvSpPr>
+          <p:cNvPr id="4" name="Content Placeholder 2"/>
+          <p:cNvSpPr txBox="1">
+            <a:spLocks/>
+          </p:cNvSpPr>
+          <p:nvPr/>
+        </p:nvSpPr>
+        <p:spPr>
+          <a:xfrm>
+            <a:off x="677333" y="3397956"/>
+            <a:ext cx="8985955" cy="2856088"/>
+          </a:xfrm>
+          <a:prstGeom prst="rect">
+            <a:avLst/>
+          </a:prstGeom>
+        </p:spPr>
+        <p:txBody>
+          <a:bodyPr vert="horz" lIns="91440" tIns="45720" rIns="91440" bIns="45720" rtlCol="0">
+            <a:normAutofit/>
+          </a:bodyPr>
+          <a:lstStyle>
+            <a:lvl1pPr marL="342900" indent="-342900" algn="l" defTabSz="457200" rtl="0" eaLnBrk="1" latinLnBrk="0" hangingPunct="1">
+              <a:spcBef>
+                <a:spcPts val="1000"/>
+              </a:spcBef>
+              <a:spcAft>
+                <a:spcPts val="0"/>
+              </a:spcAft>
+              <a:buClr>
+                <a:schemeClr val="accent1"/>
+              </a:buClr>
+              <a:buSzPct val="80000"/>
+              <a:buFont typeface="Wingdings 3" charset="2"/>
+              <a:buChar char=""/>
+              <a:defRPr sz="1800" kern="1200">
+                <a:solidFill>
+                  <a:schemeClr val="tx1">
+                    <a:lumMod val="75000"/>
+                    <a:lumOff val="25000"/>
+                  </a:schemeClr>
+                </a:solidFill>
+                <a:latin typeface="+mn-lt"/>
+                <a:ea typeface="+mn-ea"/>
+                <a:cs typeface="+mn-cs"/>
+              </a:defRPr>
+            </a:lvl1pPr>
+            <a:lvl2pPr marL="742950" indent="-285750" algn="l" defTabSz="457200" rtl="0" eaLnBrk="1" latinLnBrk="0" hangingPunct="1">
+              <a:spcBef>
+                <a:spcPts val="1000"/>
+              </a:spcBef>
+              <a:spcAft>
+                <a:spcPts val="0"/>
+              </a:spcAft>
+              <a:buClr>
+                <a:schemeClr val="accent1"/>
+              </a:buClr>
+              <a:buSzPct val="80000"/>
+              <a:buFont typeface="Wingdings 3" charset="2"/>
+              <a:buChar char=""/>
+              <a:defRPr sz="1600" kern="1200">
+                <a:solidFill>
+                  <a:schemeClr val="tx1">
+                    <a:lumMod val="75000"/>
+                    <a:lumOff val="25000"/>
+                  </a:schemeClr>
+                </a:solidFill>
+                <a:latin typeface="+mn-lt"/>
+                <a:ea typeface="+mn-ea"/>
+                <a:cs typeface="+mn-cs"/>
+              </a:defRPr>
+            </a:lvl2pPr>
+            <a:lvl3pPr marL="1143000" indent="-228600" algn="l" defTabSz="457200" rtl="0" eaLnBrk="1" latinLnBrk="0" hangingPunct="1">
+              <a:spcBef>
+                <a:spcPts val="1000"/>
+              </a:spcBef>
+              <a:spcAft>
+                <a:spcPts val="0"/>
+              </a:spcAft>
+              <a:buClr>
+                <a:schemeClr val="accent1"/>
+              </a:buClr>
+              <a:buSzPct val="80000"/>
+              <a:buFont typeface="Wingdings 3" charset="2"/>
+              <a:buChar char=""/>
+              <a:defRPr sz="1400" kern="1200">
+                <a:solidFill>
+                  <a:schemeClr val="tx1">
+                    <a:lumMod val="75000"/>
+                    <a:lumOff val="25000"/>
+                  </a:schemeClr>
+                </a:solidFill>
+                <a:latin typeface="+mn-lt"/>
+                <a:ea typeface="+mn-ea"/>
+                <a:cs typeface="+mn-cs"/>
+              </a:defRPr>
+            </a:lvl3pPr>
+            <a:lvl4pPr marL="1600200" indent="-228600" algn="l" defTabSz="457200" rtl="0" eaLnBrk="1" latinLnBrk="0" hangingPunct="1">
+              <a:spcBef>
+                <a:spcPts val="1000"/>
+              </a:spcBef>
+              <a:spcAft>
+                <a:spcPts val="0"/>
+              </a:spcAft>
+              <a:buClr>
+                <a:schemeClr val="accent1"/>
+              </a:buClr>
+              <a:buSzPct val="80000"/>
+              <a:buFont typeface="Wingdings 3" charset="2"/>
+              <a:buChar char=""/>
+              <a:defRPr sz="1200" kern="1200">
+                <a:solidFill>
+                  <a:schemeClr val="tx1">
+                    <a:lumMod val="75000"/>
+                    <a:lumOff val="25000"/>
+                  </a:schemeClr>
+                </a:solidFill>
+                <a:latin typeface="+mn-lt"/>
+                <a:ea typeface="+mn-ea"/>
+                <a:cs typeface="+mn-cs"/>
+              </a:defRPr>
+            </a:lvl4pPr>
+            <a:lvl5pPr marL="2057400" indent="-228600" algn="l" defTabSz="457200" rtl="0" eaLnBrk="1" latinLnBrk="0" hangingPunct="1">
+              <a:spcBef>
+                <a:spcPts val="1000"/>
+              </a:spcBef>
+              <a:spcAft>
+                <a:spcPts val="0"/>
+              </a:spcAft>
+              <a:buClr>
+                <a:schemeClr val="accent1"/>
+              </a:buClr>
+              <a:buSzPct val="80000"/>
+              <a:buFont typeface="Wingdings 3" charset="2"/>
+              <a:buChar char=""/>
+              <a:defRPr sz="1200" kern="1200">
+                <a:solidFill>
+                  <a:schemeClr val="tx1">
+                    <a:lumMod val="75000"/>
+                    <a:lumOff val="25000"/>
+                  </a:schemeClr>
+                </a:solidFill>
+                <a:latin typeface="+mn-lt"/>
+                <a:ea typeface="+mn-ea"/>
+                <a:cs typeface="+mn-cs"/>
+              </a:defRPr>
+            </a:lvl5pPr>
+            <a:lvl6pPr marL="2514600" indent="-228600" algn="l" defTabSz="457200" rtl="0" eaLnBrk="1" latinLnBrk="0" hangingPunct="1">
+              <a:spcBef>
+                <a:spcPts val="1000"/>
+              </a:spcBef>
+              <a:spcAft>
+                <a:spcPts val="0"/>
+              </a:spcAft>
+              <a:buClr>
+                <a:schemeClr val="accent1"/>
+              </a:buClr>
+              <a:buSzPct val="80000"/>
+              <a:buFont typeface="Wingdings 3" charset="2"/>
+              <a:buChar char=""/>
+              <a:defRPr sz="1200" kern="1200">
+                <a:solidFill>
+                  <a:schemeClr val="tx1">
+                    <a:lumMod val="75000"/>
+                    <a:lumOff val="25000"/>
+                  </a:schemeClr>
+                </a:solidFill>
+                <a:latin typeface="+mn-lt"/>
+                <a:ea typeface="+mn-ea"/>
+                <a:cs typeface="+mn-cs"/>
+              </a:defRPr>
+            </a:lvl6pPr>
+            <a:lvl7pPr marL="2971800" indent="-228600" algn="l" defTabSz="457200" rtl="0" eaLnBrk="1" latinLnBrk="0" hangingPunct="1">
+              <a:spcBef>
+                <a:spcPts val="1000"/>
+              </a:spcBef>
+              <a:spcAft>
+                <a:spcPts val="0"/>
+              </a:spcAft>
+              <a:buClr>
+                <a:schemeClr val="accent1"/>
+              </a:buClr>
+              <a:buSzPct val="80000"/>
+              <a:buFont typeface="Wingdings 3" charset="2"/>
+              <a:buChar char=""/>
+              <a:defRPr sz="1200" kern="1200">
+                <a:solidFill>
+                  <a:schemeClr val="tx1">
+                    <a:lumMod val="75000"/>
+                    <a:lumOff val="25000"/>
+                  </a:schemeClr>
+                </a:solidFill>
+                <a:latin typeface="+mn-lt"/>
+                <a:ea typeface="+mn-ea"/>
+                <a:cs typeface="+mn-cs"/>
+              </a:defRPr>
+            </a:lvl7pPr>
+            <a:lvl8pPr marL="3429000" indent="-228600" algn="l" defTabSz="457200" rtl="0" eaLnBrk="1" latinLnBrk="0" hangingPunct="1">
+              <a:spcBef>
+                <a:spcPts val="1000"/>
+              </a:spcBef>
+              <a:spcAft>
+                <a:spcPts val="0"/>
+              </a:spcAft>
+              <a:buClr>
+                <a:schemeClr val="accent1"/>
+              </a:buClr>
+              <a:buSzPct val="80000"/>
+              <a:buFont typeface="Wingdings 3" charset="2"/>
+              <a:buChar char=""/>
+              <a:defRPr sz="1200" kern="1200">
+                <a:solidFill>
+                  <a:schemeClr val="tx1">
+                    <a:lumMod val="75000"/>
+                    <a:lumOff val="25000"/>
+                  </a:schemeClr>
+                </a:solidFill>
+                <a:latin typeface="+mn-lt"/>
+                <a:ea typeface="+mn-ea"/>
+                <a:cs typeface="+mn-cs"/>
+              </a:defRPr>
+            </a:lvl8pPr>
+            <a:lvl9pPr marL="3886200" indent="-228600" algn="l" defTabSz="457200" rtl="0" eaLnBrk="1" latinLnBrk="0" hangingPunct="1">
+              <a:spcBef>
+                <a:spcPts val="1000"/>
+              </a:spcBef>
+              <a:spcAft>
+                <a:spcPts val="0"/>
+              </a:spcAft>
+              <a:buClr>
+                <a:schemeClr val="accent1"/>
+              </a:buClr>
+              <a:buSzPct val="80000"/>
+              <a:buFont typeface="Wingdings 3" charset="2"/>
+              <a:buChar char=""/>
+              <a:defRPr sz="1200" kern="1200">
+                <a:solidFill>
+                  <a:schemeClr val="tx1">
+                    <a:lumMod val="75000"/>
+                    <a:lumOff val="25000"/>
+                  </a:schemeClr>
+                </a:solidFill>
+                <a:latin typeface="+mn-lt"/>
+                <a:ea typeface="+mn-ea"/>
+                <a:cs typeface="+mn-cs"/>
+              </a:defRPr>
+            </a:lvl9pPr>
+          </a:lstStyle>
+          <a:p>
+            <a:pPr marL="0" indent="0">
+              <a:buFont typeface="Wingdings 3" charset="2"/>
+              <a:buNone/>
+            </a:pPr>
+            <a:endParaRPr lang="en-US" b="1" dirty="0" smtClean="0"/>
+          </a:p>
+          <a:p>
+            <a:pPr lvl="1"/>
+            <a:endParaRPr lang="en-US" b="1" dirty="0" smtClean="0"/>
+          </a:p>
+          <a:p>
+            <a:pPr marL="0" indent="0">
+              <a:buFont typeface="Wingdings 3" charset="2"/>
+              <a:buNone/>
+            </a:pPr>
+            <a:r>
+              <a:rPr lang="en-US" b="1" dirty="0"/>
+              <a:t>	</a:t>
+            </a:r>
+            <a:r>
+              <a:rPr lang="en-US" b="1" dirty="0" smtClean="0"/>
+              <a:t> </a:t>
+            </a:r>
+          </a:p>
+          <a:p>
+            <a:pPr marL="0" indent="0">
+              <a:buFont typeface="Wingdings 3" charset="2"/>
               <a:buNone/>
             </a:pPr>
             <a:endParaRPr lang="en-US" dirty="0"/>

--- a/documentation/Project Presentation.pptx
+++ b/documentation/Project Presentation.pptx
@@ -15,8 +15,12 @@
     <p:sldId id="263" r:id="rId9"/>
     <p:sldId id="264" r:id="rId10"/>
     <p:sldId id="267" r:id="rId11"/>
-    <p:sldId id="265" r:id="rId12"/>
-    <p:sldId id="266" r:id="rId13"/>
+    <p:sldId id="270" r:id="rId12"/>
+    <p:sldId id="265" r:id="rId13"/>
+    <p:sldId id="271" r:id="rId14"/>
+    <p:sldId id="266" r:id="rId15"/>
+    <p:sldId id="268" r:id="rId16"/>
+    <p:sldId id="269" r:id="rId17"/>
   </p:sldIdLst>
   <p:sldSz cx="12192000" cy="6858000"/>
   <p:notesSz cx="6858000" cy="9144000"/>
@@ -6609,11 +6613,8 @@
           <a:p>
             <a:r>
               <a:rPr lang="en-US" dirty="0" smtClean="0"/>
-              <a:t>What’s Required To Run Project In Local?</a:t>
-            </a:r>
-            <a:br>
-              <a:rPr lang="en-US" dirty="0" smtClean="0"/>
-            </a:br>
+              <a:t>Next few Slides Will Cover:</a:t>
+            </a:r>
             <a:endParaRPr lang="en-US" dirty="0"/>
           </a:p>
         </p:txBody>
@@ -6628,244 +6629,55 @@
             <p:ph idx="1"/>
           </p:nvPr>
         </p:nvSpPr>
-        <p:spPr>
-          <a:xfrm>
-            <a:off x="677334" y="2160589"/>
-            <a:ext cx="8805333" cy="3880773"/>
-          </a:xfrm>
-        </p:spPr>
+        <p:spPr/>
         <p:txBody>
           <a:bodyPr>
-            <a:normAutofit fontScale="92500" lnSpcReduction="20000"/>
+            <a:normAutofit/>
           </a:bodyPr>
           <a:lstStyle/>
           <a:p>
             <a:r>
-              <a:rPr lang="en-US" dirty="0"/>
-              <a:t>Gensim: </a:t>
-            </a:r>
-            <a:r>
-              <a:rPr lang="en-US" dirty="0">
-                <a:hlinkClick r:id="rId2"/>
-              </a:rPr>
-              <a:t>https://</a:t>
-            </a:r>
-            <a:r>
-              <a:rPr lang="en-US" dirty="0" smtClean="0">
-                <a:hlinkClick r:id="rId2"/>
-              </a:rPr>
-              <a:t>radimrehurek.com/gensim/models/ldamodel.html</a:t>
-            </a:r>
-            <a:endParaRPr lang="en-US" dirty="0" smtClean="0"/>
-          </a:p>
-          <a:p>
-            <a:r>
-              <a:rPr lang="en-US" dirty="0" smtClean="0"/>
-              <a:t>Nltk</a:t>
-            </a:r>
-            <a:r>
-              <a:rPr lang="en-US" dirty="0"/>
-              <a:t>: </a:t>
-            </a:r>
-            <a:r>
-              <a:rPr lang="en-US" dirty="0">
-                <a:hlinkClick r:id="rId3"/>
-              </a:rPr>
-              <a:t>https://www.nltk.org/_</a:t>
-            </a:r>
-            <a:r>
-              <a:rPr lang="en-US" dirty="0" smtClean="0">
-                <a:hlinkClick r:id="rId3"/>
-              </a:rPr>
-              <a:t>modules/nltk/tokenize/regexp.html</a:t>
-            </a:r>
-            <a:endParaRPr lang="en-US" dirty="0" smtClean="0"/>
-          </a:p>
-          <a:p>
-            <a:r>
-              <a:rPr lang="en-US" dirty="0"/>
-              <a:t>Numpy: </a:t>
-            </a:r>
-            <a:r>
-              <a:rPr lang="en-US" dirty="0">
-                <a:hlinkClick r:id="rId4"/>
-              </a:rPr>
-              <a:t>https://numpy.org</a:t>
-            </a:r>
-            <a:r>
-              <a:rPr lang="en-US" dirty="0" smtClean="0">
-                <a:hlinkClick r:id="rId4"/>
-              </a:rPr>
-              <a:t>/</a:t>
-            </a:r>
-            <a:endParaRPr lang="en-US" dirty="0" smtClean="0"/>
-          </a:p>
-          <a:p>
-            <a:r>
-              <a:rPr lang="en-US" dirty="0"/>
-              <a:t>Itertools: </a:t>
-            </a:r>
-            <a:r>
-              <a:rPr lang="en-US" dirty="0">
-                <a:hlinkClick r:id="rId5"/>
-              </a:rPr>
-              <a:t>https://</a:t>
-            </a:r>
-            <a:r>
-              <a:rPr lang="en-US" dirty="0" smtClean="0">
-                <a:hlinkClick r:id="rId5"/>
-              </a:rPr>
-              <a:t>docs.python.org/3/library/itertools.html</a:t>
-            </a:r>
-            <a:endParaRPr lang="en-US" dirty="0"/>
-          </a:p>
-          <a:p>
-            <a:r>
-              <a:rPr lang="en-US" dirty="0"/>
-              <a:t>Scipy: </a:t>
-            </a:r>
-            <a:r>
-              <a:rPr lang="en-US" dirty="0">
-                <a:hlinkClick r:id="rId6"/>
-              </a:rPr>
-              <a:t>https://www.scipy.org</a:t>
-            </a:r>
-            <a:r>
-              <a:rPr lang="en-US" dirty="0" smtClean="0">
-                <a:hlinkClick r:id="rId6"/>
-              </a:rPr>
-              <a:t>/</a:t>
-            </a:r>
-            <a:endParaRPr lang="en-US" dirty="0"/>
-          </a:p>
-          <a:p>
-            <a:r>
-              <a:rPr lang="en-US" dirty="0"/>
-              <a:t>Statsmodels: </a:t>
-            </a:r>
-            <a:r>
-              <a:rPr lang="en-US" dirty="0">
-                <a:hlinkClick r:id="rId7"/>
-              </a:rPr>
-              <a:t>https://</a:t>
-            </a:r>
-            <a:r>
-              <a:rPr lang="en-US" dirty="0" smtClean="0">
-                <a:hlinkClick r:id="rId7"/>
-              </a:rPr>
-              <a:t>www.statsmodels.org/stable/generated/statsmodels.tsa.stattools.grangercausalitytests.html</a:t>
-            </a:r>
-            <a:endParaRPr lang="en-US" dirty="0"/>
-          </a:p>
-          <a:p>
-            <a:r>
-              <a:rPr lang="en-US" dirty="0"/>
-              <a:t>Matplotlib: </a:t>
-            </a:r>
-            <a:r>
-              <a:rPr lang="en-US" dirty="0">
-                <a:hlinkClick r:id="rId8"/>
-              </a:rPr>
-              <a:t>https://matplotlib.org</a:t>
-            </a:r>
-            <a:r>
-              <a:rPr lang="en-US" dirty="0" smtClean="0">
-                <a:hlinkClick r:id="rId8"/>
-              </a:rPr>
-              <a:t>/</a:t>
-            </a:r>
-            <a:endParaRPr lang="en-US" dirty="0" smtClean="0"/>
-          </a:p>
-          <a:p>
-            <a:r>
-              <a:rPr lang="en-US" dirty="0" smtClean="0"/>
-              <a:t>xml.etree.ElementTree</a:t>
-            </a:r>
-            <a:r>
-              <a:rPr lang="en-US" dirty="0"/>
-              <a:t>: </a:t>
-            </a:r>
-            <a:r>
-              <a:rPr lang="en-US" dirty="0">
-                <a:hlinkClick r:id="rId9"/>
-              </a:rPr>
-              <a:t>https://</a:t>
-            </a:r>
-            <a:r>
-              <a:rPr lang="en-US" dirty="0" smtClean="0">
-                <a:hlinkClick r:id="rId9"/>
-              </a:rPr>
-              <a:t>docs.python.org/3/library/xml.etree.elementtree.html</a:t>
-            </a:r>
-            <a:endParaRPr lang="en-US" dirty="0" smtClean="0"/>
-          </a:p>
-          <a:p>
-            <a:r>
-              <a:rPr lang="en-US" dirty="0"/>
-              <a:t>f</a:t>
-            </a:r>
-            <a:r>
-              <a:rPr lang="en-US" dirty="0" smtClean="0"/>
-              <a:t>nmatch, re and os</a:t>
-            </a:r>
-            <a:endParaRPr lang="en-US" dirty="0"/>
-          </a:p>
-          <a:p>
-            <a:endParaRPr lang="en-US" dirty="0"/>
-          </a:p>
-        </p:txBody>
-      </p:sp>
-      <p:sp>
-        <p:nvSpPr>
-          <p:cNvPr id="4" name="Rectangle 3"/>
-          <p:cNvSpPr/>
-          <p:nvPr/>
-        </p:nvSpPr>
-        <p:spPr>
-          <a:xfrm>
-            <a:off x="677334" y="1514258"/>
-            <a:ext cx="7461955" cy="461665"/>
-          </a:xfrm>
-          <a:prstGeom prst="rect">
-            <a:avLst/>
-          </a:prstGeom>
-        </p:spPr>
-        <p:txBody>
-          <a:bodyPr wrap="square">
-            <a:spAutoFit/>
-          </a:bodyPr>
-          <a:lstStyle/>
-          <a:p>
-            <a:r>
-              <a:rPr lang="en-US" sz="2400" i="1" dirty="0" smtClean="0">
-                <a:solidFill>
-                  <a:schemeClr val="accent2">
-                    <a:lumMod val="75000"/>
-                  </a:schemeClr>
-                </a:solidFill>
-                <a:latin typeface="+mj-lt"/>
-                <a:ea typeface="+mj-ea"/>
-                <a:cs typeface="+mj-cs"/>
-              </a:rPr>
-              <a:t>Need to Install Following Software:</a:t>
-            </a:r>
-            <a:endParaRPr lang="en-US" sz="2400" i="1" dirty="0">
-              <a:solidFill>
-                <a:schemeClr val="accent2">
-                  <a:lumMod val="75000"/>
-                </a:schemeClr>
-              </a:solidFill>
-              <a:latin typeface="+mj-lt"/>
-              <a:ea typeface="+mj-ea"/>
-              <a:cs typeface="+mj-cs"/>
-            </a:endParaRPr>
+              <a:rPr lang="en-US" sz="2400" dirty="0"/>
+              <a:t>I</a:t>
+            </a:r>
+            <a:r>
+              <a:rPr lang="en-US" sz="2400" dirty="0" smtClean="0"/>
+              <a:t>nstructions on how to install </a:t>
+            </a:r>
+            <a:r>
+              <a:rPr lang="en-US" sz="2400" dirty="0"/>
+              <a:t>the </a:t>
+            </a:r>
+            <a:r>
+              <a:rPr lang="en-US" sz="2400" dirty="0" smtClean="0"/>
+              <a:t>dependencies. </a:t>
+            </a:r>
+          </a:p>
+          <a:p>
+            <a:endParaRPr lang="en-US" sz="2400" dirty="0" smtClean="0"/>
+          </a:p>
+          <a:p>
+            <a:r>
+              <a:rPr lang="en-US" sz="2400" dirty="0" smtClean="0"/>
+              <a:t>Instructions on how to setup local environment to run the software.</a:t>
+            </a:r>
+          </a:p>
+          <a:p>
+            <a:endParaRPr lang="en-US" sz="2400" dirty="0" smtClean="0"/>
+          </a:p>
+          <a:p>
+            <a:r>
+              <a:rPr lang="en-US" sz="2400" dirty="0" smtClean="0"/>
+              <a:t>One example of use case to show how out implementation is working and matching with the framework presented in the paper. </a:t>
+            </a:r>
+            <a:endParaRPr lang="en-US" sz="2400" dirty="0"/>
           </a:p>
         </p:txBody>
       </p:sp>
     </p:spTree>
     <p:extLst>
       <p:ext uri="{BB962C8B-B14F-4D97-AF65-F5344CB8AC3E}">
-        <p14:creationId xmlns:p14="http://schemas.microsoft.com/office/powerpoint/2010/main" val="909990483"/>
+        <p14:creationId xmlns:p14="http://schemas.microsoft.com/office/powerpoint/2010/main" val="1339906836"/>
       </p:ext>
     </p:extLst>
   </p:cSld>
@@ -6916,8 +6728,11 @@
           <a:p>
             <a:r>
               <a:rPr lang="en-US" dirty="0" smtClean="0"/>
-              <a:t>Instructions on How To Use/Run in Local</a:t>
-            </a:r>
+              <a:t>What’s Required To Run Project In Local?</a:t>
+            </a:r>
+            <a:br>
+              <a:rPr lang="en-US" dirty="0" smtClean="0"/>
+            </a:br>
             <a:endParaRPr lang="en-US" dirty="0"/>
           </a:p>
         </p:txBody>
@@ -6932,29 +6747,1157 @@
             <p:ph idx="1"/>
           </p:nvPr>
         </p:nvSpPr>
+        <p:spPr>
+          <a:xfrm>
+            <a:off x="677334" y="2160589"/>
+            <a:ext cx="8805333" cy="4533722"/>
+          </a:xfrm>
+        </p:spPr>
+        <p:txBody>
+          <a:bodyPr>
+            <a:normAutofit/>
+          </a:bodyPr>
+          <a:lstStyle/>
+          <a:p>
+            <a:r>
+              <a:rPr lang="en-US" sz="2000" dirty="0"/>
+              <a:t>Gensim: </a:t>
+            </a:r>
+            <a:r>
+              <a:rPr lang="en-US" sz="2000" dirty="0">
+                <a:hlinkClick r:id="rId2"/>
+              </a:rPr>
+              <a:t>https://</a:t>
+            </a:r>
+            <a:r>
+              <a:rPr lang="en-US" sz="2000" dirty="0" smtClean="0">
+                <a:hlinkClick r:id="rId2"/>
+              </a:rPr>
+              <a:t>radimrehurek.com/gensim/models/ldamodel.html</a:t>
+            </a:r>
+            <a:endParaRPr lang="en-US" sz="2000" dirty="0" smtClean="0"/>
+          </a:p>
+          <a:p>
+            <a:pPr lvl="1"/>
+            <a:r>
+              <a:rPr lang="en-US" sz="2000" dirty="0" smtClean="0"/>
+              <a:t>Run “</a:t>
+            </a:r>
+            <a:r>
+              <a:rPr lang="en-US" sz="2000" b="1" dirty="0" smtClean="0"/>
+              <a:t>pip install </a:t>
+            </a:r>
+            <a:r>
+              <a:rPr lang="en-US" sz="2000" b="1" dirty="0" err="1" smtClean="0"/>
+              <a:t>gensim</a:t>
+            </a:r>
+            <a:r>
+              <a:rPr lang="en-US" sz="2000" b="1" dirty="0" smtClean="0"/>
+              <a:t>” </a:t>
+            </a:r>
+            <a:r>
+              <a:rPr lang="en-US" sz="2000" dirty="0" smtClean="0"/>
+              <a:t>on the command line to install.</a:t>
+            </a:r>
+            <a:br>
+              <a:rPr lang="en-US" sz="2000" dirty="0" smtClean="0"/>
+            </a:br>
+            <a:endParaRPr lang="en-US" sz="2000" dirty="0" smtClean="0"/>
+          </a:p>
+          <a:p>
+            <a:r>
+              <a:rPr lang="en-US" sz="2000" dirty="0" smtClean="0"/>
+              <a:t>Nltk</a:t>
+            </a:r>
+            <a:r>
+              <a:rPr lang="en-US" sz="2000" dirty="0"/>
+              <a:t>: </a:t>
+            </a:r>
+            <a:r>
+              <a:rPr lang="en-US" sz="2000" dirty="0">
+                <a:hlinkClick r:id="rId3"/>
+              </a:rPr>
+              <a:t>https://www.nltk.org/_</a:t>
+            </a:r>
+            <a:r>
+              <a:rPr lang="en-US" sz="2000" dirty="0" smtClean="0">
+                <a:hlinkClick r:id="rId3"/>
+              </a:rPr>
+              <a:t>modules/nltk/tokenize/regexp.html</a:t>
+            </a:r>
+            <a:endParaRPr lang="en-US" sz="2000" dirty="0" smtClean="0"/>
+          </a:p>
+          <a:p>
+            <a:pPr lvl="1"/>
+            <a:r>
+              <a:rPr lang="en-US" sz="2000" dirty="0"/>
+              <a:t>Run </a:t>
+            </a:r>
+            <a:r>
+              <a:rPr lang="en-US" sz="2000" dirty="0" smtClean="0"/>
+              <a:t>“</a:t>
+            </a:r>
+            <a:r>
+              <a:rPr lang="en-US" sz="2000" b="1" dirty="0" smtClean="0"/>
+              <a:t>pip</a:t>
+            </a:r>
+            <a:r>
+              <a:rPr lang="en-US" sz="2000" b="1" dirty="0"/>
+              <a:t> install </a:t>
+            </a:r>
+            <a:r>
+              <a:rPr lang="en-US" sz="2000" b="1" dirty="0" err="1" smtClean="0"/>
+              <a:t>nltk</a:t>
+            </a:r>
+            <a:r>
+              <a:rPr lang="en-US" sz="2000" b="1" dirty="0" smtClean="0"/>
+              <a:t>” </a:t>
+            </a:r>
+            <a:r>
+              <a:rPr lang="en-US" sz="2000" dirty="0" smtClean="0"/>
+              <a:t>on the command line to install</a:t>
+            </a:r>
+            <a:r>
+              <a:rPr lang="en-US" sz="2000" b="1" dirty="0" smtClean="0"/>
+              <a:t>.</a:t>
+            </a:r>
+          </a:p>
+          <a:p>
+            <a:pPr lvl="1"/>
+            <a:endParaRPr lang="en-US" sz="2000" b="1" dirty="0"/>
+          </a:p>
+          <a:p>
+            <a:r>
+              <a:rPr lang="en-US" sz="2000" dirty="0"/>
+              <a:t>Numpy: </a:t>
+            </a:r>
+            <a:r>
+              <a:rPr lang="en-US" sz="2000" dirty="0">
+                <a:hlinkClick r:id="rId4"/>
+              </a:rPr>
+              <a:t>https://numpy.org</a:t>
+            </a:r>
+            <a:r>
+              <a:rPr lang="en-US" sz="2000" dirty="0" smtClean="0">
+                <a:hlinkClick r:id="rId4"/>
+              </a:rPr>
+              <a:t>/</a:t>
+            </a:r>
+            <a:r>
+              <a:rPr lang="en-US" sz="2000" dirty="0" smtClean="0"/>
+              <a:t> </a:t>
+            </a:r>
+          </a:p>
+          <a:p>
+            <a:pPr lvl="1"/>
+            <a:r>
+              <a:rPr lang="en-US" sz="2000" dirty="0" smtClean="0"/>
+              <a:t>Run</a:t>
+            </a:r>
+            <a:r>
+              <a:rPr lang="en-US" sz="2000" b="1" dirty="0" smtClean="0"/>
+              <a:t> </a:t>
+            </a:r>
+            <a:r>
+              <a:rPr lang="en-US" sz="2000" b="1" dirty="0"/>
+              <a:t>“pip install </a:t>
+            </a:r>
+            <a:r>
+              <a:rPr lang="en-US" sz="2000" b="1" dirty="0" err="1"/>
+              <a:t>numpy</a:t>
+            </a:r>
+            <a:r>
+              <a:rPr lang="en-US" sz="2000" b="1" dirty="0" smtClean="0"/>
+              <a:t>” </a:t>
+            </a:r>
+            <a:r>
+              <a:rPr lang="en-US" sz="2000" dirty="0" smtClean="0"/>
+              <a:t>on the command line to install.</a:t>
+            </a:r>
+            <a:endParaRPr lang="en-US" sz="2000" dirty="0"/>
+          </a:p>
+          <a:p>
+            <a:endParaRPr lang="en-US" dirty="0" smtClean="0"/>
+          </a:p>
+          <a:p>
+            <a:r>
+              <a:rPr lang="en-US" dirty="0"/>
+              <a:t>Matplotlib: </a:t>
+            </a:r>
+            <a:r>
+              <a:rPr lang="en-US" dirty="0">
+                <a:hlinkClick r:id="rId5"/>
+              </a:rPr>
+              <a:t>https://matplotlib.org</a:t>
+            </a:r>
+            <a:r>
+              <a:rPr lang="en-US" dirty="0" smtClean="0">
+                <a:hlinkClick r:id="rId5"/>
+              </a:rPr>
+              <a:t>/</a:t>
+            </a:r>
+            <a:endParaRPr lang="en-US" dirty="0">
+              <a:hlinkClick r:id="rId5"/>
+            </a:endParaRPr>
+          </a:p>
+          <a:p>
+            <a:pPr lvl="1"/>
+            <a:r>
+              <a:rPr lang="en-US" sz="2000" dirty="0" smtClean="0"/>
+              <a:t>Run</a:t>
+            </a:r>
+            <a:r>
+              <a:rPr lang="en-US" sz="2000" b="1" dirty="0" smtClean="0"/>
+              <a:t> “pip </a:t>
+            </a:r>
+            <a:r>
+              <a:rPr lang="en-US" sz="2000" b="1" dirty="0"/>
+              <a:t>install </a:t>
+            </a:r>
+            <a:r>
+              <a:rPr lang="en-US" sz="2000" b="1" dirty="0" err="1"/>
+              <a:t>matplotlib</a:t>
+            </a:r>
+            <a:r>
+              <a:rPr lang="en-US" sz="2000" b="1" dirty="0"/>
+              <a:t>” </a:t>
+            </a:r>
+            <a:r>
+              <a:rPr lang="en-US" sz="2000" dirty="0"/>
+              <a:t>on the command line to install. </a:t>
+            </a:r>
+            <a:endParaRPr lang="en-US" sz="2000" dirty="0"/>
+          </a:p>
+          <a:p>
+            <a:endParaRPr lang="en-US" dirty="0" smtClean="0"/>
+          </a:p>
+          <a:p>
+            <a:endParaRPr lang="en-US" dirty="0"/>
+          </a:p>
+        </p:txBody>
+      </p:sp>
+      <p:sp>
+        <p:nvSpPr>
+          <p:cNvPr id="4" name="Rectangle 3"/>
+          <p:cNvSpPr/>
+          <p:nvPr/>
+        </p:nvSpPr>
+        <p:spPr>
+          <a:xfrm>
+            <a:off x="677334" y="1514258"/>
+            <a:ext cx="7461955" cy="461665"/>
+          </a:xfrm>
+          <a:prstGeom prst="rect">
+            <a:avLst/>
+          </a:prstGeom>
+        </p:spPr>
+        <p:txBody>
+          <a:bodyPr wrap="square">
+            <a:spAutoFit/>
+          </a:bodyPr>
+          <a:lstStyle/>
+          <a:p>
+            <a:r>
+              <a:rPr lang="en-US" sz="2400" i="1" dirty="0" smtClean="0">
+                <a:latin typeface="+mj-lt"/>
+                <a:ea typeface="+mj-ea"/>
+                <a:cs typeface="+mj-cs"/>
+              </a:rPr>
+              <a:t>How to install dependencies:</a:t>
+            </a:r>
+            <a:endParaRPr lang="en-US" sz="2400" i="1" dirty="0">
+              <a:latin typeface="+mj-lt"/>
+              <a:ea typeface="+mj-ea"/>
+              <a:cs typeface="+mj-cs"/>
+            </a:endParaRPr>
+          </a:p>
+        </p:txBody>
+      </p:sp>
+    </p:spTree>
+    <p:extLst>
+      <p:ext uri="{BB962C8B-B14F-4D97-AF65-F5344CB8AC3E}">
+        <p14:creationId xmlns:p14="http://schemas.microsoft.com/office/powerpoint/2010/main" val="909990483"/>
+      </p:ext>
+    </p:extLst>
+  </p:cSld>
+  <p:clrMapOvr>
+    <a:masterClrMapping/>
+  </p:clrMapOvr>
+  <p:timing>
+    <p:tnLst>
+      <p:par>
+        <p:cTn id="1" dur="indefinite" restart="never" nodeType="tmRoot"/>
+      </p:par>
+    </p:tnLst>
+  </p:timing>
+</p:sld>
+</file>
+
+<file path=ppt/slides/slide13.xml><?xml version="1.0" encoding="utf-8"?>
+<p:sld xmlns:a="http://schemas.openxmlformats.org/drawingml/2006/main" xmlns:r="http://schemas.openxmlformats.org/officeDocument/2006/relationships" xmlns:p="http://schemas.openxmlformats.org/presentationml/2006/main">
+  <p:cSld>
+    <p:spTree>
+      <p:nvGrpSpPr>
+        <p:cNvPr id="1" name=""/>
+        <p:cNvGrpSpPr/>
+        <p:nvPr/>
+      </p:nvGrpSpPr>
+      <p:grpSpPr>
+        <a:xfrm>
+          <a:off x="0" y="0"/>
+          <a:ext cx="0" cy="0"/>
+          <a:chOff x="0" y="0"/>
+          <a:chExt cx="0" cy="0"/>
+        </a:xfrm>
+      </p:grpSpPr>
+      <p:sp>
+        <p:nvSpPr>
+          <p:cNvPr id="2" name="Title 1"/>
+          <p:cNvSpPr>
+            <a:spLocks noGrp="1"/>
+          </p:cNvSpPr>
+          <p:nvPr>
+            <p:ph type="title"/>
+          </p:nvPr>
+        </p:nvSpPr>
         <p:spPr/>
         <p:txBody>
-          <a:bodyPr/>
-          <a:lstStyle/>
-          <a:p>
+          <a:bodyPr>
+            <a:normAutofit/>
+          </a:bodyPr>
+          <a:lstStyle/>
+          <a:p>
+            <a:r>
+              <a:rPr lang="en-US" dirty="0"/>
+              <a:t>What’s Required To Run Project In Local?</a:t>
+            </a:r>
+            <a:br>
+              <a:rPr lang="en-US" dirty="0"/>
+            </a:br>
+            <a:endParaRPr lang="en-US" dirty="0"/>
+          </a:p>
+        </p:txBody>
+      </p:sp>
+      <p:sp>
+        <p:nvSpPr>
+          <p:cNvPr id="3" name="Content Placeholder 2"/>
+          <p:cNvSpPr>
+            <a:spLocks noGrp="1"/>
+          </p:cNvSpPr>
+          <p:nvPr>
+            <p:ph idx="1"/>
+          </p:nvPr>
+        </p:nvSpPr>
+        <p:spPr>
+          <a:xfrm>
+            <a:off x="677334" y="2160589"/>
+            <a:ext cx="8596668" cy="4567589"/>
+          </a:xfrm>
+        </p:spPr>
+        <p:txBody>
+          <a:bodyPr>
+            <a:normAutofit lnSpcReduction="10000"/>
+          </a:bodyPr>
+          <a:lstStyle/>
+          <a:p>
+            <a:r>
+              <a:rPr lang="en-US" dirty="0"/>
+              <a:t>Statsmodels</a:t>
+            </a:r>
             <a:r>
               <a:rPr lang="en-US" dirty="0" smtClean="0"/>
-              <a:t>Clone the repository on your local system by </a:t>
-            </a:r>
-            <a:r>
-              <a:rPr lang="en-US" smtClean="0"/>
-              <a:t>running following command on the terminal – </a:t>
-            </a:r>
-          </a:p>
-          <a:p>
-            <a:endParaRPr lang="en-US" dirty="0"/>
-          </a:p>
-        </p:txBody>
-      </p:sp>
+              <a:t>: </a:t>
+            </a:r>
+            <a:r>
+              <a:rPr lang="en-US" b="1" dirty="0" smtClean="0"/>
+              <a:t>“</a:t>
+            </a:r>
+            <a:r>
+              <a:rPr lang="en-US" b="1" dirty="0"/>
+              <a:t>pip install </a:t>
+            </a:r>
+            <a:r>
+              <a:rPr lang="en-US" b="1" dirty="0" err="1" smtClean="0"/>
+              <a:t>statsmodels</a:t>
+            </a:r>
+            <a:r>
+              <a:rPr lang="en-US" b="1" dirty="0" smtClean="0"/>
+              <a:t>” </a:t>
+            </a:r>
+            <a:r>
+              <a:rPr lang="en-US" dirty="0" smtClean="0">
+                <a:hlinkClick r:id="rId2"/>
+              </a:rPr>
+              <a:t>https</a:t>
+            </a:r>
+            <a:r>
+              <a:rPr lang="en-US" dirty="0">
+                <a:hlinkClick r:id="rId2"/>
+              </a:rPr>
+              <a:t>://</a:t>
+            </a:r>
+            <a:r>
+              <a:rPr lang="en-US" dirty="0" smtClean="0">
+                <a:hlinkClick r:id="rId2"/>
+              </a:rPr>
+              <a:t>www.statsmodels.org/stable/generated/statsmodels.tsa.stattools.grangercausalitytests.html</a:t>
+            </a:r>
+            <a:endParaRPr lang="en-US" dirty="0" smtClean="0"/>
+          </a:p>
+          <a:p>
+            <a:endParaRPr lang="en-US" dirty="0"/>
+          </a:p>
+          <a:p>
+            <a:r>
+              <a:rPr lang="en-US" dirty="0" smtClean="0"/>
+              <a:t>xml.etree.ElementTree</a:t>
+            </a:r>
+            <a:r>
+              <a:rPr lang="en-US" dirty="0"/>
+              <a:t>: </a:t>
+            </a:r>
+            <a:r>
+              <a:rPr lang="en-US" b="1" dirty="0" smtClean="0"/>
+              <a:t>“pip </a:t>
+            </a:r>
+            <a:r>
+              <a:rPr lang="en-US" b="1" dirty="0"/>
+              <a:t>install </a:t>
+            </a:r>
+            <a:r>
+              <a:rPr lang="en-US" b="1" dirty="0" err="1" smtClean="0"/>
+              <a:t>pycopy</a:t>
+            </a:r>
+            <a:r>
+              <a:rPr lang="en-US" b="1" dirty="0" smtClean="0"/>
+              <a:t>-xml.etree.ElementTree” </a:t>
+            </a:r>
+            <a:r>
+              <a:rPr lang="en-US" dirty="0" smtClean="0">
+                <a:hlinkClick r:id="rId3"/>
+              </a:rPr>
+              <a:t>https://docs.python.org/3/library/xml.etree.elementtree.html</a:t>
+            </a:r>
+            <a:endParaRPr lang="en-US" dirty="0" smtClean="0"/>
+          </a:p>
+          <a:p>
+            <a:endParaRPr lang="en-US" dirty="0" smtClean="0"/>
+          </a:p>
+          <a:p>
+            <a:endParaRPr lang="en-US" dirty="0" smtClean="0"/>
+          </a:p>
+          <a:p>
+            <a:r>
+              <a:rPr lang="en-US" dirty="0" smtClean="0"/>
+              <a:t>Same way you can install other dependencies as well. fnmatch</a:t>
+            </a:r>
+            <a:r>
+              <a:rPr lang="en-US" dirty="0"/>
+              <a:t>, re and </a:t>
+            </a:r>
+            <a:r>
+              <a:rPr lang="en-US" dirty="0" smtClean="0"/>
+              <a:t>os</a:t>
+            </a:r>
+          </a:p>
+          <a:p>
+            <a:pPr lvl="1"/>
+            <a:r>
+              <a:rPr lang="en-US" dirty="0"/>
+              <a:t>Itertools: </a:t>
+            </a:r>
+            <a:r>
+              <a:rPr lang="en-US" dirty="0">
+                <a:hlinkClick r:id="rId4"/>
+              </a:rPr>
+              <a:t>https://</a:t>
+            </a:r>
+            <a:r>
+              <a:rPr lang="en-US" dirty="0" smtClean="0">
+                <a:hlinkClick r:id="rId4"/>
+              </a:rPr>
+              <a:t>docs.python.org/3/library/itertools.html</a:t>
+            </a:r>
+            <a:endParaRPr lang="en-US" dirty="0"/>
+          </a:p>
+          <a:p>
+            <a:pPr lvl="1"/>
+            <a:r>
+              <a:rPr lang="en-US" dirty="0"/>
+              <a:t>Scipy: </a:t>
+            </a:r>
+            <a:r>
+              <a:rPr lang="en-US" dirty="0">
+                <a:hlinkClick r:id="rId5"/>
+              </a:rPr>
+              <a:t>https://</a:t>
+            </a:r>
+            <a:r>
+              <a:rPr lang="en-US" dirty="0" smtClean="0">
+                <a:hlinkClick r:id="rId5"/>
+              </a:rPr>
+              <a:t>www.scipy.org/</a:t>
+            </a:r>
+          </a:p>
+          <a:p>
+            <a:pPr lvl="1"/>
+            <a:endParaRPr lang="en-US" dirty="0">
+              <a:hlinkClick r:id="rId5"/>
+            </a:endParaRPr>
+          </a:p>
+          <a:p>
+            <a:pPr marL="457200" lvl="1" indent="0">
+              <a:buNone/>
+            </a:pPr>
+            <a:r>
+              <a:rPr lang="en-US" b="1" i="1" baseline="30000" dirty="0"/>
+              <a:t>NOTE: If you are using an editor like </a:t>
+            </a:r>
+            <a:r>
+              <a:rPr lang="en-US" b="1" i="1" baseline="30000" dirty="0" err="1" smtClean="0"/>
+              <a:t>PyCharm</a:t>
+            </a:r>
+            <a:r>
+              <a:rPr lang="en-US" b="1" i="1" baseline="30000" dirty="0" smtClean="0"/>
+              <a:t> </a:t>
+            </a:r>
+            <a:r>
+              <a:rPr lang="en-US" b="1" i="1" baseline="30000" dirty="0"/>
+              <a:t>then it will automatically notify you to import these packages and will install for you in background. </a:t>
+            </a:r>
+          </a:p>
+          <a:p>
+            <a:pPr lvl="1"/>
+            <a:endParaRPr lang="en-US" dirty="0" smtClean="0">
+              <a:hlinkClick r:id="rId5"/>
+            </a:endParaRPr>
+          </a:p>
+        </p:txBody>
+      </p:sp>
+      <p:sp>
+        <p:nvSpPr>
+          <p:cNvPr id="4" name="Rectangle 3"/>
+          <p:cNvSpPr/>
+          <p:nvPr/>
+        </p:nvSpPr>
+        <p:spPr>
+          <a:xfrm>
+            <a:off x="677334" y="1514258"/>
+            <a:ext cx="7461955" cy="461665"/>
+          </a:xfrm>
+          <a:prstGeom prst="rect">
+            <a:avLst/>
+          </a:prstGeom>
+        </p:spPr>
+        <p:txBody>
+          <a:bodyPr wrap="square">
+            <a:spAutoFit/>
+          </a:bodyPr>
+          <a:lstStyle/>
+          <a:p>
+            <a:r>
+              <a:rPr lang="en-US" sz="2400" i="1" dirty="0" smtClean="0">
+                <a:latin typeface="+mj-lt"/>
+                <a:ea typeface="+mj-ea"/>
+                <a:cs typeface="+mj-cs"/>
+              </a:rPr>
+              <a:t>How to install dependencies Cont. </a:t>
+            </a:r>
+            <a:endParaRPr lang="en-US" sz="2400" i="1" dirty="0">
+              <a:latin typeface="+mj-lt"/>
+              <a:ea typeface="+mj-ea"/>
+              <a:cs typeface="+mj-cs"/>
+            </a:endParaRPr>
+          </a:p>
+        </p:txBody>
+      </p:sp>
+    </p:spTree>
+    <p:extLst>
+      <p:ext uri="{BB962C8B-B14F-4D97-AF65-F5344CB8AC3E}">
+        <p14:creationId xmlns:p14="http://schemas.microsoft.com/office/powerpoint/2010/main" val="1207862778"/>
+      </p:ext>
+    </p:extLst>
+  </p:cSld>
+  <p:clrMapOvr>
+    <a:masterClrMapping/>
+  </p:clrMapOvr>
+  <p:timing>
+    <p:tnLst>
+      <p:par>
+        <p:cTn id="1" dur="indefinite" restart="never" nodeType="tmRoot"/>
+      </p:par>
+    </p:tnLst>
+  </p:timing>
+</p:sld>
+</file>
+
+<file path=ppt/slides/slide14.xml><?xml version="1.0" encoding="utf-8"?>
+<p:sld xmlns:a="http://schemas.openxmlformats.org/drawingml/2006/main" xmlns:r="http://schemas.openxmlformats.org/officeDocument/2006/relationships" xmlns:p="http://schemas.openxmlformats.org/presentationml/2006/main">
+  <p:cSld>
+    <p:spTree>
+      <p:nvGrpSpPr>
+        <p:cNvPr id="1" name=""/>
+        <p:cNvGrpSpPr/>
+        <p:nvPr/>
+      </p:nvGrpSpPr>
+      <p:grpSpPr>
+        <a:xfrm>
+          <a:off x="0" y="0"/>
+          <a:ext cx="0" cy="0"/>
+          <a:chOff x="0" y="0"/>
+          <a:chExt cx="0" cy="0"/>
+        </a:xfrm>
+      </p:grpSpPr>
+      <p:sp>
+        <p:nvSpPr>
+          <p:cNvPr id="2" name="Title 1"/>
+          <p:cNvSpPr>
+            <a:spLocks noGrp="1"/>
+          </p:cNvSpPr>
+          <p:nvPr>
+            <p:ph type="title"/>
+          </p:nvPr>
+        </p:nvSpPr>
+        <p:spPr>
+          <a:xfrm>
+            <a:off x="677334" y="609600"/>
+            <a:ext cx="8794044" cy="677333"/>
+          </a:xfrm>
+        </p:spPr>
+        <p:txBody>
+          <a:bodyPr>
+            <a:normAutofit fontScale="90000"/>
+          </a:bodyPr>
+          <a:lstStyle/>
+          <a:p>
+            <a:r>
+              <a:rPr lang="en-US"/>
+              <a:t>Instructions on how to setup local environment to run the software.</a:t>
+            </a:r>
+            <a:endParaRPr lang="en-US" dirty="0"/>
+          </a:p>
+        </p:txBody>
+      </p:sp>
+      <p:sp>
+        <p:nvSpPr>
+          <p:cNvPr id="3" name="Content Placeholder 2"/>
+          <p:cNvSpPr>
+            <a:spLocks noGrp="1"/>
+          </p:cNvSpPr>
+          <p:nvPr>
+            <p:ph idx="1"/>
+          </p:nvPr>
+        </p:nvSpPr>
+        <p:spPr>
+          <a:xfrm>
+            <a:off x="677334" y="1785937"/>
+            <a:ext cx="8596668" cy="5072063"/>
+          </a:xfrm>
+        </p:spPr>
+        <p:txBody>
+          <a:bodyPr>
+            <a:normAutofit/>
+          </a:bodyPr>
+          <a:lstStyle/>
+          <a:p>
+            <a:r>
+              <a:rPr lang="en-US" dirty="0" smtClean="0"/>
+              <a:t>Clone the repository on your local system by running following command on the terminal – </a:t>
+            </a:r>
+          </a:p>
+          <a:p>
+            <a:pPr lvl="1"/>
+            <a:r>
+              <a:rPr lang="en-US" sz="1400" b="1" dirty="0" smtClean="0">
+                <a:solidFill>
+                  <a:schemeClr val="tx1"/>
+                </a:solidFill>
+                <a:latin typeface="Courier" charset="0"/>
+                <a:ea typeface="Courier" charset="0"/>
+                <a:cs typeface="Courier" charset="0"/>
+              </a:rPr>
+              <a:t>“</a:t>
+            </a:r>
+            <a:r>
+              <a:rPr lang="en-US" sz="1400" b="1" dirty="0" err="1" smtClean="0">
+                <a:solidFill>
+                  <a:schemeClr val="tx1"/>
+                </a:solidFill>
+                <a:latin typeface="Courier" charset="0"/>
+                <a:ea typeface="Courier" charset="0"/>
+                <a:cs typeface="Courier" charset="0"/>
+              </a:rPr>
+              <a:t>git</a:t>
+            </a:r>
+            <a:r>
+              <a:rPr lang="en-US" sz="1400" b="1" dirty="0" smtClean="0">
+                <a:solidFill>
+                  <a:schemeClr val="tx1"/>
+                </a:solidFill>
+                <a:latin typeface="Courier" charset="0"/>
+                <a:ea typeface="Courier" charset="0"/>
+                <a:cs typeface="Courier" charset="0"/>
+              </a:rPr>
+              <a:t> </a:t>
+            </a:r>
+            <a:r>
+              <a:rPr lang="en-US" sz="1400" b="1" dirty="0">
+                <a:solidFill>
+                  <a:schemeClr val="tx1"/>
+                </a:solidFill>
+                <a:latin typeface="Courier" charset="0"/>
+                <a:ea typeface="Courier" charset="0"/>
+                <a:cs typeface="Courier" charset="0"/>
+              </a:rPr>
+              <a:t>clone </a:t>
+            </a:r>
+            <a:r>
+              <a:rPr lang="en-US" sz="1400" b="1" dirty="0" smtClean="0">
+                <a:solidFill>
+                  <a:schemeClr val="tx1"/>
+                </a:solidFill>
+                <a:latin typeface="Courier" charset="0"/>
+                <a:ea typeface="Courier" charset="0"/>
+                <a:cs typeface="Courier" charset="0"/>
+                <a:hlinkClick r:id="rId2"/>
+              </a:rPr>
+              <a:t>–</a:t>
+            </a:r>
+            <a:r>
+              <a:rPr lang="en-US" sz="1400" b="1" dirty="0" smtClean="0">
+                <a:solidFill>
+                  <a:schemeClr val="tx1"/>
+                </a:solidFill>
+                <a:latin typeface="Courier" charset="0"/>
+                <a:ea typeface="Courier" charset="0"/>
+                <a:cs typeface="Courier" charset="0"/>
+              </a:rPr>
+              <a:t>bare </a:t>
+            </a:r>
+            <a:r>
+              <a:rPr lang="en-US" sz="1400" b="1" dirty="0" smtClean="0">
+                <a:solidFill>
+                  <a:schemeClr val="tx1"/>
+                </a:solidFill>
+                <a:latin typeface="Courier" charset="0"/>
+                <a:ea typeface="Courier" charset="0"/>
+                <a:cs typeface="Courier" charset="0"/>
+                <a:hlinkClick r:id="rId2"/>
+              </a:rPr>
+              <a:t>https</a:t>
+            </a:r>
+            <a:r>
+              <a:rPr lang="en-US" sz="1400" b="1" dirty="0">
+                <a:solidFill>
+                  <a:schemeClr val="tx1"/>
+                </a:solidFill>
+                <a:latin typeface="Courier" charset="0"/>
+                <a:ea typeface="Courier" charset="0"/>
+                <a:cs typeface="Courier" charset="0"/>
+                <a:hlinkClick r:id="rId2"/>
+              </a:rPr>
+              <a:t>://</a:t>
+            </a:r>
+            <a:r>
+              <a:rPr lang="en-US" sz="1400" b="1" dirty="0" smtClean="0">
+                <a:solidFill>
+                  <a:schemeClr val="tx1"/>
+                </a:solidFill>
+                <a:latin typeface="Courier" charset="0"/>
+                <a:ea typeface="Courier" charset="0"/>
+                <a:cs typeface="Courier" charset="0"/>
+                <a:hlinkClick r:id="rId2"/>
+              </a:rPr>
+              <a:t>github.com/hetadesai26/CourseProject.git</a:t>
+            </a:r>
+            <a:r>
+              <a:rPr lang="en-US" sz="1400" b="1" dirty="0" smtClean="0">
+                <a:solidFill>
+                  <a:schemeClr val="tx1"/>
+                </a:solidFill>
+                <a:latin typeface="Courier" charset="0"/>
+                <a:ea typeface="Courier" charset="0"/>
+                <a:cs typeface="Courier" charset="0"/>
+              </a:rPr>
+              <a:t>”</a:t>
+            </a:r>
+            <a:endParaRPr lang="en-US" sz="1400" b="1" dirty="0">
+              <a:solidFill>
+                <a:schemeClr val="tx1"/>
+              </a:solidFill>
+              <a:latin typeface="Courier" charset="0"/>
+              <a:ea typeface="Courier" charset="0"/>
+              <a:cs typeface="Courier" charset="0"/>
+            </a:endParaRPr>
+          </a:p>
+          <a:p>
+            <a:pPr lvl="1"/>
+            <a:endParaRPr lang="en-US" b="1" dirty="0">
+              <a:solidFill>
+                <a:schemeClr val="tx1"/>
+              </a:solidFill>
+              <a:latin typeface="Courier" charset="0"/>
+              <a:ea typeface="Courier" charset="0"/>
+              <a:cs typeface="Courier" charset="0"/>
+            </a:endParaRPr>
+          </a:p>
+          <a:p>
+            <a:r>
+              <a:rPr lang="en-US" dirty="0" smtClean="0"/>
+              <a:t>The folder structure will look like this: </a:t>
+            </a:r>
+          </a:p>
+          <a:p>
+            <a:endParaRPr lang="en-US" dirty="0">
+              <a:solidFill>
+                <a:schemeClr val="tx1"/>
+              </a:solidFill>
+            </a:endParaRPr>
+          </a:p>
+          <a:p>
+            <a:r>
+              <a:rPr lang="en-US" b="1" dirty="0" smtClean="0"/>
+              <a:t>Where, </a:t>
+            </a:r>
+          </a:p>
+          <a:p>
+            <a:pPr lvl="1"/>
+            <a:r>
+              <a:rPr lang="en-US" dirty="0" smtClean="0"/>
+              <a:t>NYTData is the New York Times blog articles directory for year 2000 from May to October 2000.</a:t>
+            </a:r>
+          </a:p>
+          <a:p>
+            <a:pPr lvl="1"/>
+            <a:r>
+              <a:rPr lang="en-US" dirty="0" smtClean="0"/>
+              <a:t>Data directory consist of two datasets – BushGore.txt and StockPrices.txt</a:t>
+            </a:r>
+          </a:p>
+          <a:p>
+            <a:pPr lvl="1"/>
+            <a:r>
+              <a:rPr lang="en-US" dirty="0" smtClean="0"/>
+              <a:t>Documentation directory contains project proposal, project progress report, documentation and presentation. </a:t>
+            </a:r>
+          </a:p>
+          <a:p>
+            <a:pPr lvl="1"/>
+            <a:r>
+              <a:rPr lang="en-US" dirty="0" smtClean="0"/>
+              <a:t>preprocessor.py is the program used to create BushGore.txt dataset. </a:t>
+            </a:r>
+          </a:p>
+          <a:p>
+            <a:pPr lvl="1"/>
+            <a:r>
+              <a:rPr lang="en-US" dirty="0"/>
+              <a:t>p</a:t>
+            </a:r>
+            <a:r>
+              <a:rPr lang="en-US" dirty="0" smtClean="0"/>
+              <a:t>ythonscript.py is the actual implementation of paper. </a:t>
+            </a:r>
+            <a:endParaRPr lang="en-US" dirty="0"/>
+          </a:p>
+        </p:txBody>
+      </p:sp>
+      <p:pic>
+        <p:nvPicPr>
+          <p:cNvPr id="5" name="Picture 4"/>
+          <p:cNvPicPr>
+            <a:picLocks noChangeAspect="1"/>
+          </p:cNvPicPr>
+          <p:nvPr/>
+        </p:nvPicPr>
+        <p:blipFill>
+          <a:blip r:embed="rId3"/>
+          <a:stretch>
+            <a:fillRect/>
+          </a:stretch>
+        </p:blipFill>
+        <p:spPr>
+          <a:xfrm>
+            <a:off x="5592763" y="2835275"/>
+            <a:ext cx="3302000" cy="1168400"/>
+          </a:xfrm>
+          <a:prstGeom prst="rect">
+            <a:avLst/>
+          </a:prstGeom>
+        </p:spPr>
+      </p:pic>
     </p:spTree>
     <p:extLst>
       <p:ext uri="{BB962C8B-B14F-4D97-AF65-F5344CB8AC3E}">
         <p14:creationId xmlns:p14="http://schemas.microsoft.com/office/powerpoint/2010/main" val="232170549"/>
+      </p:ext>
+    </p:extLst>
+  </p:cSld>
+  <p:clrMapOvr>
+    <a:masterClrMapping/>
+  </p:clrMapOvr>
+  <p:timing>
+    <p:tnLst>
+      <p:par>
+        <p:cTn id="1" dur="indefinite" restart="never" nodeType="tmRoot"/>
+      </p:par>
+    </p:tnLst>
+  </p:timing>
+</p:sld>
+</file>
+
+<file path=ppt/slides/slide15.xml><?xml version="1.0" encoding="utf-8"?>
+<p:sld xmlns:a="http://schemas.openxmlformats.org/drawingml/2006/main" xmlns:r="http://schemas.openxmlformats.org/officeDocument/2006/relationships" xmlns:p="http://schemas.openxmlformats.org/presentationml/2006/main">
+  <p:cSld>
+    <p:spTree>
+      <p:nvGrpSpPr>
+        <p:cNvPr id="1" name=""/>
+        <p:cNvGrpSpPr/>
+        <p:nvPr/>
+      </p:nvGrpSpPr>
+      <p:grpSpPr>
+        <a:xfrm>
+          <a:off x="0" y="0"/>
+          <a:ext cx="0" cy="0"/>
+          <a:chOff x="0" y="0"/>
+          <a:chExt cx="0" cy="0"/>
+        </a:xfrm>
+      </p:grpSpPr>
+      <p:sp>
+        <p:nvSpPr>
+          <p:cNvPr id="4" name="Rectangle 3"/>
+          <p:cNvSpPr/>
+          <p:nvPr/>
+        </p:nvSpPr>
+        <p:spPr>
+          <a:xfrm>
+            <a:off x="778933" y="3589867"/>
+            <a:ext cx="8342489" cy="959555"/>
+          </a:xfrm>
+          <a:prstGeom prst="rect">
+            <a:avLst/>
+          </a:prstGeom>
+        </p:spPr>
+        <p:style>
+          <a:lnRef idx="2">
+            <a:schemeClr val="accent1">
+              <a:shade val="50000"/>
+            </a:schemeClr>
+          </a:lnRef>
+          <a:fillRef idx="1">
+            <a:schemeClr val="accent1"/>
+          </a:fillRef>
+          <a:effectRef idx="0">
+            <a:schemeClr val="accent1"/>
+          </a:effectRef>
+          <a:fontRef idx="minor">
+            <a:schemeClr val="lt1"/>
+          </a:fontRef>
+        </p:style>
+        <p:txBody>
+          <a:bodyPr rtlCol="0" anchor="ctr"/>
+          <a:lstStyle/>
+          <a:p>
+            <a:pPr algn="ctr"/>
+            <a:endParaRPr lang="en-US"/>
+          </a:p>
+        </p:txBody>
+      </p:sp>
+      <p:sp>
+        <p:nvSpPr>
+          <p:cNvPr id="2" name="Title 1"/>
+          <p:cNvSpPr>
+            <a:spLocks noGrp="1"/>
+          </p:cNvSpPr>
+          <p:nvPr>
+            <p:ph type="title"/>
+          </p:nvPr>
+        </p:nvSpPr>
+        <p:spPr/>
+        <p:txBody>
+          <a:bodyPr/>
+          <a:lstStyle/>
+          <a:p>
+            <a:r>
+              <a:rPr lang="en-US" dirty="0"/>
+              <a:t>Instructions on How To Use/Run in </a:t>
+            </a:r>
+            <a:r>
+              <a:rPr lang="en-US" dirty="0" smtClean="0"/>
+              <a:t>Local- Cont. </a:t>
+            </a:r>
+            <a:endParaRPr lang="en-US" dirty="0"/>
+          </a:p>
+        </p:txBody>
+      </p:sp>
+      <p:sp>
+        <p:nvSpPr>
+          <p:cNvPr id="3" name="Content Placeholder 2"/>
+          <p:cNvSpPr>
+            <a:spLocks noGrp="1"/>
+          </p:cNvSpPr>
+          <p:nvPr>
+            <p:ph idx="1"/>
+          </p:nvPr>
+        </p:nvSpPr>
+        <p:spPr>
+          <a:xfrm>
+            <a:off x="677334" y="2160590"/>
+            <a:ext cx="8596668" cy="4082166"/>
+          </a:xfrm>
+        </p:spPr>
+        <p:txBody>
+          <a:bodyPr>
+            <a:normAutofit/>
+          </a:bodyPr>
+          <a:lstStyle/>
+          <a:p>
+            <a:r>
+              <a:rPr lang="en-US" dirty="0" smtClean="0">
+                <a:latin typeface="ArialMT" charset="0"/>
+              </a:rPr>
+              <a:t>Once repository is cloned to local machine and </a:t>
+            </a:r>
+            <a:r>
+              <a:rPr lang="en-US" dirty="0">
+                <a:latin typeface="ArialMT" charset="0"/>
+              </a:rPr>
+              <a:t>all python modules are </a:t>
+            </a:r>
+            <a:r>
+              <a:rPr lang="en-US" dirty="0" smtClean="0">
+                <a:latin typeface="ArialMT" charset="0"/>
+              </a:rPr>
+              <a:t>installed, </a:t>
+            </a:r>
+            <a:r>
+              <a:rPr lang="en-US" b="1" dirty="0" smtClean="0"/>
+              <a:t>Run following command: (make sure you in CourseProject repository before running the command)</a:t>
+            </a:r>
+          </a:p>
+          <a:p>
+            <a:endParaRPr lang="en-US" b="1" dirty="0"/>
+          </a:p>
+          <a:p>
+            <a:endParaRPr lang="en-US" b="1" dirty="0"/>
+          </a:p>
+          <a:p>
+            <a:pPr marL="0" indent="0" algn="ctr">
+              <a:buNone/>
+            </a:pPr>
+            <a:r>
+              <a:rPr lang="en-US" b="1" dirty="0" smtClean="0">
+                <a:solidFill>
+                  <a:schemeClr val="tx1"/>
+                </a:solidFill>
+              </a:rPr>
+              <a:t>python3 </a:t>
+            </a:r>
+            <a:r>
+              <a:rPr lang="en-US" b="1" dirty="0">
+                <a:solidFill>
+                  <a:schemeClr val="tx1"/>
+                </a:solidFill>
+              </a:rPr>
+              <a:t>-W ignore </a:t>
+            </a:r>
+            <a:r>
+              <a:rPr lang="en-US" b="1" dirty="0" err="1">
+                <a:solidFill>
+                  <a:schemeClr val="tx1"/>
+                </a:solidFill>
+              </a:rPr>
+              <a:t>PythonScript.py</a:t>
+            </a:r>
+            <a:endParaRPr lang="en-US" b="1" dirty="0">
+              <a:solidFill>
+                <a:schemeClr val="tx1"/>
+              </a:solidFill>
+            </a:endParaRPr>
+          </a:p>
+        </p:txBody>
+      </p:sp>
+    </p:spTree>
+    <p:extLst>
+      <p:ext uri="{BB962C8B-B14F-4D97-AF65-F5344CB8AC3E}">
+        <p14:creationId xmlns:p14="http://schemas.microsoft.com/office/powerpoint/2010/main" val="1816159442"/>
+      </p:ext>
+    </p:extLst>
+  </p:cSld>
+  <p:clrMapOvr>
+    <a:masterClrMapping/>
+  </p:clrMapOvr>
+</p:sld>
+</file>
+
+<file path=ppt/slides/slide16.xml><?xml version="1.0" encoding="utf-8"?>
+<p:sld xmlns:a="http://schemas.openxmlformats.org/drawingml/2006/main" xmlns:r="http://schemas.openxmlformats.org/officeDocument/2006/relationships" xmlns:p="http://schemas.openxmlformats.org/presentationml/2006/main">
+  <p:cSld>
+    <p:spTree>
+      <p:nvGrpSpPr>
+        <p:cNvPr id="1" name=""/>
+        <p:cNvGrpSpPr/>
+        <p:nvPr/>
+      </p:nvGrpSpPr>
+      <p:grpSpPr>
+        <a:xfrm>
+          <a:off x="0" y="0"/>
+          <a:ext cx="0" cy="0"/>
+          <a:chOff x="0" y="0"/>
+          <a:chExt cx="0" cy="0"/>
+        </a:xfrm>
+      </p:grpSpPr>
+      <p:sp>
+        <p:nvSpPr>
+          <p:cNvPr id="2" name="Title 1"/>
+          <p:cNvSpPr>
+            <a:spLocks noGrp="1"/>
+          </p:cNvSpPr>
+          <p:nvPr>
+            <p:ph type="title"/>
+          </p:nvPr>
+        </p:nvSpPr>
+        <p:spPr/>
+        <p:txBody>
+          <a:bodyPr/>
+          <a:lstStyle/>
+          <a:p>
+            <a:r>
+              <a:rPr lang="en-US" dirty="0" smtClean="0"/>
+              <a:t>Testing Results: One Example Use Case</a:t>
+            </a:r>
+            <a:endParaRPr lang="en-US" dirty="0"/>
+          </a:p>
+        </p:txBody>
+      </p:sp>
+      <p:sp>
+        <p:nvSpPr>
+          <p:cNvPr id="3" name="Content Placeholder 2"/>
+          <p:cNvSpPr>
+            <a:spLocks noGrp="1"/>
+          </p:cNvSpPr>
+          <p:nvPr>
+            <p:ph idx="1"/>
+          </p:nvPr>
+        </p:nvSpPr>
+        <p:spPr>
+          <a:xfrm>
+            <a:off x="677334" y="1783645"/>
+            <a:ext cx="8596668" cy="4257718"/>
+          </a:xfrm>
+        </p:spPr>
+        <p:txBody>
+          <a:bodyPr/>
+          <a:lstStyle/>
+          <a:p>
+            <a:endParaRPr lang="en-US" dirty="0"/>
+          </a:p>
+        </p:txBody>
+      </p:sp>
+    </p:spTree>
+    <p:extLst>
+      <p:ext uri="{BB962C8B-B14F-4D97-AF65-F5344CB8AC3E}">
+        <p14:creationId xmlns:p14="http://schemas.microsoft.com/office/powerpoint/2010/main" val="217307956"/>
       </p:ext>
     </p:extLst>
   </p:cSld>

--- a/documentation/Project Presentation.pptx
+++ b/documentation/Project Presentation.pptx
@@ -21,6 +21,11 @@
     <p:sldId id="266" r:id="rId15"/>
     <p:sldId id="268" r:id="rId16"/>
     <p:sldId id="269" r:id="rId17"/>
+    <p:sldId id="273" r:id="rId18"/>
+    <p:sldId id="274" r:id="rId19"/>
+    <p:sldId id="275" r:id="rId20"/>
+    <p:sldId id="276" r:id="rId21"/>
+    <p:sldId id="277" r:id="rId22"/>
   </p:sldIdLst>
   <p:sldSz cx="12192000" cy="6858000"/>
   <p:notesSz cx="6858000" cy="9144000"/>
@@ -119,6 +124,11 @@
       </a:defRPr>
     </a:lvl9pPr>
   </p:defaultTextStyle>
+  <p:extLst>
+    <p:ext uri="{EFAFB233-063F-42B5-8137-9DF3F51BA10A}">
+      <p15:sldGuideLst xmlns:p15="http://schemas.microsoft.com/office/powerpoint/2012/main"/>
+    </p:ext>
+  </p:extLst>
 </p:presentation>
 </file>
 
@@ -845,7 +855,7 @@
             <a:fld id="{B61BEF0D-F0BB-DE4B-95CE-6DB70DBA9567}" type="datetimeFigureOut">
               <a:rPr lang="en-US" dirty="0"/>
               <a:pPr/>
-              <a:t>12/8/20</a:t>
+              <a:t>12/10/20</a:t>
             </a:fld>
             <a:endParaRPr lang="en-US" dirty="0"/>
           </a:p>
@@ -1093,7 +1103,7 @@
             <a:fld id="{B61BEF0D-F0BB-DE4B-95CE-6DB70DBA9567}" type="datetimeFigureOut">
               <a:rPr lang="en-US" dirty="0"/>
               <a:pPr/>
-              <a:t>12/8/20</a:t>
+              <a:t>12/10/20</a:t>
             </a:fld>
             <a:endParaRPr lang="en-US" dirty="0"/>
           </a:p>
@@ -1404,7 +1414,7 @@
             <a:fld id="{B61BEF0D-F0BB-DE4B-95CE-6DB70DBA9567}" type="datetimeFigureOut">
               <a:rPr lang="en-US" dirty="0"/>
               <a:pPr/>
-              <a:t>12/8/20</a:t>
+              <a:t>12/10/20</a:t>
             </a:fld>
             <a:endParaRPr lang="en-US" dirty="0"/>
           </a:p>
@@ -1742,7 +1752,7 @@
             <a:fld id="{B61BEF0D-F0BB-DE4B-95CE-6DB70DBA9567}" type="datetimeFigureOut">
               <a:rPr lang="en-US" dirty="0"/>
               <a:pPr/>
-              <a:t>12/8/20</a:t>
+              <a:t>12/10/20</a:t>
             </a:fld>
             <a:endParaRPr lang="en-US" dirty="0"/>
           </a:p>
@@ -2053,7 +2063,7 @@
             <a:fld id="{B61BEF0D-F0BB-DE4B-95CE-6DB70DBA9567}" type="datetimeFigureOut">
               <a:rPr lang="en-US" dirty="0"/>
               <a:pPr/>
-              <a:t>12/8/20</a:t>
+              <a:t>12/10/20</a:t>
             </a:fld>
             <a:endParaRPr lang="en-US" dirty="0"/>
           </a:p>
@@ -2443,7 +2453,7 @@
             <a:fld id="{B61BEF0D-F0BB-DE4B-95CE-6DB70DBA9567}" type="datetimeFigureOut">
               <a:rPr lang="en-US" dirty="0"/>
               <a:pPr/>
-              <a:t>12/8/20</a:t>
+              <a:t>12/10/20</a:t>
             </a:fld>
             <a:endParaRPr lang="en-US" dirty="0"/>
           </a:p>
@@ -2609,7 +2619,7 @@
           <a:p>
             <a:fld id="{55C6B4A9-1611-4792-9094-5F34BCA07E0B}" type="datetimeFigureOut">
               <a:rPr lang="en-US" dirty="0"/>
-              <a:t>12/8/20</a:t>
+              <a:t>12/10/20</a:t>
             </a:fld>
             <a:endParaRPr lang="en-US" dirty="0"/>
           </a:p>
@@ -2785,7 +2795,7 @@
             <a:fld id="{B61BEF0D-F0BB-DE4B-95CE-6DB70DBA9567}" type="datetimeFigureOut">
               <a:rPr lang="en-US" dirty="0"/>
               <a:pPr/>
-              <a:t>12/8/20</a:t>
+              <a:t>12/10/20</a:t>
             </a:fld>
             <a:endParaRPr lang="en-US" dirty="0"/>
           </a:p>
@@ -2958,7 +2968,7 @@
             <a:fld id="{B61BEF0D-F0BB-DE4B-95CE-6DB70DBA9567}" type="datetimeFigureOut">
               <a:rPr lang="en-US" dirty="0"/>
               <a:pPr/>
-              <a:t>12/8/20</a:t>
+              <a:t>12/10/20</a:t>
             </a:fld>
             <a:endParaRPr lang="en-US" dirty="0"/>
           </a:p>
@@ -3202,7 +3212,7 @@
             <a:fld id="{B61BEF0D-F0BB-DE4B-95CE-6DB70DBA9567}" type="datetimeFigureOut">
               <a:rPr lang="en-US" dirty="0"/>
               <a:pPr/>
-              <a:t>12/8/20</a:t>
+              <a:t>12/10/20</a:t>
             </a:fld>
             <a:endParaRPr lang="en-US" dirty="0"/>
           </a:p>
@@ -3430,7 +3440,7 @@
           <a:p>
             <a:fld id="{EB712588-04B1-427B-82EE-E8DB90309F08}" type="datetimeFigureOut">
               <a:rPr lang="en-US" dirty="0"/>
-              <a:t>12/8/20</a:t>
+              <a:t>12/10/20</a:t>
             </a:fld>
             <a:endParaRPr lang="en-US" dirty="0"/>
           </a:p>
@@ -3800,7 +3810,7 @@
             <a:fld id="{B61BEF0D-F0BB-DE4B-95CE-6DB70DBA9567}" type="datetimeFigureOut">
               <a:rPr lang="en-US" dirty="0"/>
               <a:pPr/>
-              <a:t>12/8/20</a:t>
+              <a:t>12/10/20</a:t>
             </a:fld>
             <a:endParaRPr lang="en-US" dirty="0"/>
           </a:p>
@@ -3920,7 +3930,7 @@
             <a:fld id="{B61BEF0D-F0BB-DE4B-95CE-6DB70DBA9567}" type="datetimeFigureOut">
               <a:rPr lang="en-US" dirty="0"/>
               <a:pPr/>
-              <a:t>12/8/20</a:t>
+              <a:t>12/10/20</a:t>
             </a:fld>
             <a:endParaRPr lang="en-US" dirty="0"/>
           </a:p>
@@ -4012,7 +4022,7 @@
             <a:fld id="{B61BEF0D-F0BB-DE4B-95CE-6DB70DBA9567}" type="datetimeFigureOut">
               <a:rPr lang="en-US" dirty="0"/>
               <a:pPr/>
-              <a:t>12/8/20</a:t>
+              <a:t>12/10/20</a:t>
             </a:fld>
             <a:endParaRPr lang="en-US" dirty="0"/>
           </a:p>
@@ -4263,7 +4273,7 @@
           <a:p>
             <a:fld id="{42A54C80-263E-416B-A8E0-580EDEADCBDC}" type="datetimeFigureOut">
               <a:rPr lang="en-US" dirty="0"/>
-              <a:t>12/8/20</a:t>
+              <a:t>12/10/20</a:t>
             </a:fld>
             <a:endParaRPr lang="en-US" dirty="0"/>
           </a:p>
@@ -4522,7 +4532,7 @@
             <a:fld id="{B61BEF0D-F0BB-DE4B-95CE-6DB70DBA9567}" type="datetimeFigureOut">
               <a:rPr lang="en-US" dirty="0"/>
               <a:pPr/>
-              <a:t>12/8/20</a:t>
+              <a:t>12/10/20</a:t>
             </a:fld>
             <a:endParaRPr lang="en-US" dirty="0"/>
           </a:p>
@@ -5262,7 +5272,7 @@
             <a:fld id="{B61BEF0D-F0BB-DE4B-95CE-6DB70DBA9567}" type="datetimeFigureOut">
               <a:rPr lang="en-US" dirty="0"/>
               <a:pPr/>
-              <a:t>12/8/20</a:t>
+              <a:t>12/10/20</a:t>
             </a:fld>
             <a:endParaRPr lang="en-US" dirty="0"/>
           </a:p>
@@ -5826,7 +5836,6 @@
               <a:rPr lang="en-US" sz="2000" i="1" dirty="0"/>
               <a:t>Topic Modeling with Time Series Feedback. </a:t>
             </a:r>
-            <a:endParaRPr lang="en-US" sz="2000" i="1" dirty="0"/>
           </a:p>
         </p:txBody>
       </p:sp>
@@ -6559,7 +6568,7 @@
         <p:spPr>
           <a:xfrm>
             <a:off x="677334" y="1419578"/>
-            <a:ext cx="8127999" cy="5172872"/>
+            <a:ext cx="7586133" cy="4828014"/>
           </a:xfrm>
           <a:prstGeom prst="rect">
             <a:avLst/>
@@ -6576,6 +6585,13 @@
   <p:clrMapOvr>
     <a:masterClrMapping/>
   </p:clrMapOvr>
+  <p:timing>
+    <p:tnLst>
+      <p:par>
+        <p:cTn id="1" dur="indefinite" restart="never" nodeType="tmRoot"/>
+      </p:par>
+    </p:tnLst>
+  </p:timing>
 </p:sld>
 </file>
 
@@ -6668,7 +6684,7 @@
           <a:p>
             <a:r>
               <a:rPr lang="en-US" sz="2400" dirty="0" smtClean="0"/>
-              <a:t>One example of use case to show how out implementation is working and matching with the framework presented in the paper. </a:t>
+              <a:t>Examples of use case/testing result to show how out implementation is working and matching with the framework presented in the paper. </a:t>
             </a:r>
             <a:endParaRPr lang="en-US" sz="2400" dirty="0"/>
           </a:p>
@@ -6966,7 +6982,6 @@
               <a:rPr lang="en-US" sz="2000" dirty="0"/>
               <a:t>on the command line to install. </a:t>
             </a:r>
-            <a:endParaRPr lang="en-US" sz="2000" dirty="0"/>
           </a:p>
           <a:p>
             <a:endParaRPr lang="en-US" dirty="0" smtClean="0"/>
@@ -7410,7 +7425,7 @@
             <a:r>
               <a:rPr lang="en-US" sz="1400" b="1" dirty="0" smtClean="0">
                 <a:solidFill>
-                  <a:schemeClr val="tx1"/>
+                  <a:schemeClr val="accent5"/>
                 </a:solidFill>
                 <a:latin typeface="Courier" charset="0"/>
                 <a:ea typeface="Courier" charset="0"/>
@@ -7419,101 +7434,54 @@
               <a:t>“</a:t>
             </a:r>
             <a:r>
-              <a:rPr lang="en-US" sz="1400" b="1" dirty="0" err="1" smtClean="0">
-                <a:solidFill>
-                  <a:schemeClr val="tx1"/>
-                </a:solidFill>
-                <a:latin typeface="Courier" charset="0"/>
-                <a:ea typeface="Courier" charset="0"/>
-                <a:cs typeface="Courier" charset="0"/>
+              <a:rPr lang="en-US" sz="1400" b="1" dirty="0" err="1">
+                <a:solidFill>
+                  <a:schemeClr val="accent5"/>
+                </a:solidFill>
+                <a:latin typeface="AndaleMono" charset="0"/>
               </a:rPr>
               <a:t>git</a:t>
             </a:r>
             <a:r>
+              <a:rPr lang="en-US" sz="1400" b="1" dirty="0">
+                <a:solidFill>
+                  <a:schemeClr val="accent5"/>
+                </a:solidFill>
+                <a:latin typeface="AndaleMono" charset="0"/>
+              </a:rPr>
+              <a:t> clone https://</a:t>
+            </a:r>
+            <a:r>
+              <a:rPr lang="en-US" sz="1400" b="1" dirty="0" err="1">
+                <a:solidFill>
+                  <a:schemeClr val="accent5"/>
+                </a:solidFill>
+                <a:latin typeface="AndaleMono" charset="0"/>
+              </a:rPr>
+              <a:t>github.com</a:t>
+            </a:r>
+            <a:r>
+              <a:rPr lang="en-US" sz="1400" b="1" dirty="0">
+                <a:solidFill>
+                  <a:schemeClr val="accent5"/>
+                </a:solidFill>
+                <a:latin typeface="AndaleMono" charset="0"/>
+              </a:rPr>
+              <a:t>/hetadesai26/</a:t>
+            </a:r>
+            <a:r>
+              <a:rPr lang="en-US" sz="1400" b="1" dirty="0" err="1">
+                <a:solidFill>
+                  <a:schemeClr val="accent5"/>
+                </a:solidFill>
+                <a:latin typeface="AndaleMono" charset="0"/>
+              </a:rPr>
+              <a:t>CourseProject.git</a:t>
+            </a:r>
+            <a:r>
               <a:rPr lang="en-US" sz="1400" b="1" dirty="0" smtClean="0">
                 <a:solidFill>
-                  <a:schemeClr val="tx1"/>
-                </a:solidFill>
-                <a:latin typeface="Courier" charset="0"/>
-                <a:ea typeface="Courier" charset="0"/>
-                <a:cs typeface="Courier" charset="0"/>
-              </a:rPr>
-              <a:t> </a:t>
-            </a:r>
-            <a:r>
-              <a:rPr lang="en-US" sz="1400" b="1" dirty="0">
-                <a:solidFill>
-                  <a:schemeClr val="tx1"/>
-                </a:solidFill>
-                <a:latin typeface="Courier" charset="0"/>
-                <a:ea typeface="Courier" charset="0"/>
-                <a:cs typeface="Courier" charset="0"/>
-              </a:rPr>
-              <a:t>clone </a:t>
-            </a:r>
-            <a:r>
-              <a:rPr lang="en-US" sz="1400" b="1" dirty="0" smtClean="0">
-                <a:solidFill>
-                  <a:schemeClr val="tx1"/>
-                </a:solidFill>
-                <a:latin typeface="Courier" charset="0"/>
-                <a:ea typeface="Courier" charset="0"/>
-                <a:cs typeface="Courier" charset="0"/>
-                <a:hlinkClick r:id="rId2"/>
-              </a:rPr>
-              <a:t>–</a:t>
-            </a:r>
-            <a:r>
-              <a:rPr lang="en-US" sz="1400" b="1" dirty="0" smtClean="0">
-                <a:solidFill>
-                  <a:schemeClr val="tx1"/>
-                </a:solidFill>
-                <a:latin typeface="Courier" charset="0"/>
-                <a:ea typeface="Courier" charset="0"/>
-                <a:cs typeface="Courier" charset="0"/>
-              </a:rPr>
-              <a:t>bare </a:t>
-            </a:r>
-            <a:r>
-              <a:rPr lang="en-US" sz="1400" b="1" dirty="0" smtClean="0">
-                <a:solidFill>
-                  <a:schemeClr val="tx1"/>
-                </a:solidFill>
-                <a:latin typeface="Courier" charset="0"/>
-                <a:ea typeface="Courier" charset="0"/>
-                <a:cs typeface="Courier" charset="0"/>
-                <a:hlinkClick r:id="rId2"/>
-              </a:rPr>
-              <a:t>https</a:t>
-            </a:r>
-            <a:r>
-              <a:rPr lang="en-US" sz="1400" b="1" dirty="0">
-                <a:solidFill>
-                  <a:schemeClr val="tx1"/>
-                </a:solidFill>
-                <a:latin typeface="Courier" charset="0"/>
-                <a:ea typeface="Courier" charset="0"/>
-                <a:cs typeface="Courier" charset="0"/>
-                <a:hlinkClick r:id="rId2"/>
-              </a:rPr>
-              <a:t>://</a:t>
-            </a:r>
-            <a:r>
-              <a:rPr lang="en-US" sz="1400" b="1" dirty="0" smtClean="0">
-                <a:solidFill>
-                  <a:schemeClr val="tx1"/>
-                </a:solidFill>
-                <a:latin typeface="Courier" charset="0"/>
-                <a:ea typeface="Courier" charset="0"/>
-                <a:cs typeface="Courier" charset="0"/>
-                <a:hlinkClick r:id="rId2"/>
-              </a:rPr>
-              <a:t>github.com/hetadesai26/CourseProject.git</a:t>
-            </a:r>
-            <a:r>
-              <a:rPr lang="en-US" sz="1400" b="1" dirty="0" smtClean="0">
-                <a:solidFill>
-                  <a:schemeClr val="tx1"/>
+                  <a:schemeClr val="accent5"/>
                 </a:solidFill>
                 <a:latin typeface="Courier" charset="0"/>
                 <a:ea typeface="Courier" charset="0"/>
@@ -7523,7 +7491,7 @@
             </a:r>
             <a:endParaRPr lang="en-US" sz="1400" b="1" dirty="0">
               <a:solidFill>
-                <a:schemeClr val="tx1"/>
+                <a:schemeClr val="accent5"/>
               </a:solidFill>
               <a:latin typeface="Courier" charset="0"/>
               <a:ea typeface="Courier" charset="0"/>
@@ -7611,14 +7579,14 @@
           <p:nvPr/>
         </p:nvPicPr>
         <p:blipFill>
-          <a:blip r:embed="rId3"/>
+          <a:blip r:embed="rId2"/>
           <a:stretch>
             <a:fillRect/>
           </a:stretch>
         </p:blipFill>
         <p:spPr>
           <a:xfrm>
-            <a:off x="5592763" y="2835275"/>
+            <a:off x="5310540" y="2982031"/>
             <a:ext cx="3302000" cy="1168400"/>
           </a:xfrm>
           <a:prstGeom prst="rect">
@@ -7827,6 +7795,13 @@
   <p:clrMapOvr>
     <a:masterClrMapping/>
   </p:clrMapOvr>
+  <p:timing>
+    <p:tnLst>
+      <p:par>
+        <p:cTn id="1" dur="indefinite" restart="never" nodeType="tmRoot"/>
+      </p:par>
+    </p:tnLst>
+  </p:timing>
 </p:sld>
 </file>
 
@@ -7859,20 +7834,25 @@
         </p:nvSpPr>
         <p:spPr/>
         <p:txBody>
-          <a:bodyPr/>
+          <a:bodyPr>
+            <a:normAutofit fontScale="90000"/>
+          </a:bodyPr>
           <a:lstStyle/>
           <a:p>
             <a:r>
-              <a:rPr lang="en-US" dirty="0" smtClean="0"/>
-              <a:t>Testing Results: One Example Use Case</a:t>
-            </a:r>
-            <a:endParaRPr lang="en-US" dirty="0"/>
-          </a:p>
-        </p:txBody>
-      </p:sp>
-      <p:sp>
-        <p:nvSpPr>
-          <p:cNvPr id="3" name="Content Placeholder 2"/>
+              <a:rPr lang="en-US" dirty="0"/>
+              <a:t>Test Results showing Top significant words Related To 2000 Presidential Election  </a:t>
+            </a:r>
+            <a:br>
+              <a:rPr lang="en-US" dirty="0"/>
+            </a:br>
+            <a:endParaRPr lang="en-US" dirty="0"/>
+          </a:p>
+        </p:txBody>
+      </p:sp>
+      <p:sp>
+        <p:nvSpPr>
+          <p:cNvPr id="5" name="Content Placeholder 4"/>
           <p:cNvSpPr>
             <a:spLocks noGrp="1"/>
           </p:cNvSpPr>
@@ -7882,15 +7862,289 @@
         </p:nvSpPr>
         <p:spPr>
           <a:xfrm>
-            <a:off x="677334" y="1783645"/>
-            <a:ext cx="8596668" cy="4257718"/>
+            <a:off x="677334" y="1930400"/>
+            <a:ext cx="8466666" cy="4352572"/>
           </a:xfrm>
         </p:spPr>
         <p:txBody>
-          <a:bodyPr/>
+          <a:bodyPr>
+            <a:normAutofit/>
+          </a:bodyPr>
           <a:lstStyle/>
           <a:p>
-            <a:endParaRPr lang="en-US" dirty="0"/>
+            <a:r>
+              <a:rPr lang="en-US" dirty="0" smtClean="0"/>
+              <a:t>0</a:t>
+            </a:r>
+            <a:r>
+              <a:rPr lang="en-US" dirty="0"/>
+              <a:t>. million  campaign  republicans  democrats  </a:t>
+            </a:r>
+            <a:r>
+              <a:rPr lang="en-US" b="1" dirty="0">
+                <a:solidFill>
+                  <a:schemeClr val="accent2"/>
+                </a:solidFill>
+              </a:rPr>
+              <a:t>gun  control  </a:t>
+            </a:r>
+            <a:r>
+              <a:rPr lang="en-US" dirty="0"/>
+              <a:t>national </a:t>
+            </a:r>
+          </a:p>
+          <a:p>
+            <a:r>
+              <a:rPr lang="en-US" dirty="0"/>
+              <a:t>1. </a:t>
+            </a:r>
+            <a:r>
+              <a:rPr lang="en-US" dirty="0" err="1"/>
+              <a:t>george</a:t>
+            </a:r>
+            <a:r>
+              <a:rPr lang="en-US" dirty="0"/>
+              <a:t>  </a:t>
+            </a:r>
+            <a:r>
+              <a:rPr lang="en-US" dirty="0" err="1"/>
+              <a:t>gov</a:t>
+            </a:r>
+            <a:r>
+              <a:rPr lang="en-US" dirty="0"/>
+              <a:t>  vice  presidential  al  president  </a:t>
+            </a:r>
+            <a:r>
+              <a:rPr lang="en-US" dirty="0" err="1"/>
+              <a:t>texas</a:t>
+            </a:r>
+            <a:r>
+              <a:rPr lang="en-US" dirty="0"/>
+              <a:t>  campaign </a:t>
+            </a:r>
+          </a:p>
+          <a:p>
+            <a:r>
+              <a:rPr lang="en-US" dirty="0"/>
+              <a:t>2. </a:t>
+            </a:r>
+            <a:r>
+              <a:rPr lang="en-US" b="1" dirty="0">
+                <a:solidFill>
+                  <a:schemeClr val="accent2"/>
+                </a:solidFill>
+              </a:rPr>
+              <a:t>health  plan  </a:t>
+            </a:r>
+            <a:r>
+              <a:rPr lang="en-US" dirty="0"/>
+              <a:t>care  drug  </a:t>
+            </a:r>
+            <a:r>
+              <a:rPr lang="en-US" b="1" dirty="0" err="1">
+                <a:solidFill>
+                  <a:schemeClr val="accent2"/>
+                </a:solidFill>
+              </a:rPr>
+              <a:t>medicare</a:t>
+            </a:r>
+            <a:r>
+              <a:rPr lang="en-US" dirty="0"/>
+              <a:t>  government  </a:t>
+            </a:r>
+            <a:r>
+              <a:rPr lang="en-US" b="1" dirty="0">
+                <a:solidFill>
+                  <a:schemeClr val="accent2"/>
+                </a:solidFill>
+              </a:rPr>
+              <a:t>education  children</a:t>
+            </a:r>
+            <a:r>
+              <a:rPr lang="en-US" dirty="0"/>
+              <a:t> </a:t>
+            </a:r>
+          </a:p>
+          <a:p>
+            <a:r>
+              <a:rPr lang="en-US" dirty="0"/>
+              <a:t>3. </a:t>
+            </a:r>
+            <a:r>
+              <a:rPr lang="en-US" dirty="0" err="1"/>
+              <a:t>nader</a:t>
+            </a:r>
+            <a:r>
+              <a:rPr lang="en-US" dirty="0"/>
+              <a:t>  party  ralph  green  </a:t>
+            </a:r>
+            <a:r>
+              <a:rPr lang="en-US" dirty="0" err="1"/>
+              <a:t>george</a:t>
+            </a:r>
+            <a:r>
+              <a:rPr lang="en-US" dirty="0"/>
+              <a:t>  chance  candidate </a:t>
+            </a:r>
+          </a:p>
+          <a:p>
+            <a:r>
+              <a:rPr lang="en-US" dirty="0"/>
+              <a:t>4. new  teachers  scores  report  </a:t>
+            </a:r>
+            <a:r>
+              <a:rPr lang="en-US" dirty="0" err="1"/>
+              <a:t>hollywood</a:t>
+            </a:r>
+            <a:r>
+              <a:rPr lang="en-US" dirty="0"/>
+              <a:t>  period  worth </a:t>
+            </a:r>
+          </a:p>
+          <a:p>
+            <a:r>
+              <a:rPr lang="en-US" dirty="0"/>
+              <a:t>5. </a:t>
+            </a:r>
+            <a:r>
+              <a:rPr lang="en-US" b="1" dirty="0">
+                <a:solidFill>
+                  <a:schemeClr val="accent2"/>
+                </a:solidFill>
+              </a:rPr>
+              <a:t>budget</a:t>
+            </a:r>
+            <a:r>
+              <a:rPr lang="en-US" dirty="0"/>
+              <a:t>  spending  billion  said  surplus  trillion  years </a:t>
+            </a:r>
+          </a:p>
+          <a:p>
+            <a:r>
+              <a:rPr lang="en-US" dirty="0"/>
+              <a:t>6. </a:t>
+            </a:r>
+            <a:r>
+              <a:rPr lang="en-US" b="1" dirty="0">
+                <a:solidFill>
+                  <a:schemeClr val="accent2"/>
+                </a:solidFill>
+              </a:rPr>
+              <a:t>abortion </a:t>
+            </a:r>
+            <a:r>
+              <a:rPr lang="en-US" dirty="0"/>
+              <a:t> rights  platform  said  </a:t>
+            </a:r>
+            <a:r>
+              <a:rPr lang="en-US" dirty="0" err="1"/>
+              <a:t>dr</a:t>
+            </a:r>
+            <a:r>
+              <a:rPr lang="en-US" dirty="0"/>
+              <a:t>  hand  life </a:t>
+            </a:r>
+          </a:p>
+          <a:p>
+            <a:r>
+              <a:rPr lang="en-US" dirty="0"/>
+              <a:t>7. said  </a:t>
+            </a:r>
+            <a:r>
+              <a:rPr lang="en-US" dirty="0" err="1"/>
+              <a:t>hispanic</a:t>
+            </a:r>
+            <a:r>
+              <a:rPr lang="en-US" dirty="0"/>
+              <a:t>  people  school  going  sure  schools </a:t>
+            </a:r>
+          </a:p>
+          <a:p>
+            <a:r>
+              <a:rPr lang="en-US" dirty="0"/>
+              <a:t>8. won  governor  </a:t>
+            </a:r>
+            <a:r>
+              <a:rPr lang="en-US" b="1" dirty="0">
+                <a:solidFill>
+                  <a:schemeClr val="accent2"/>
+                </a:solidFill>
+              </a:rPr>
+              <a:t>gasoline</a:t>
+            </a:r>
+            <a:r>
+              <a:rPr lang="en-US" dirty="0"/>
+              <a:t>  </a:t>
+            </a:r>
+            <a:r>
+              <a:rPr lang="en-US" dirty="0" err="1"/>
+              <a:t>ll</a:t>
+            </a:r>
+            <a:r>
+              <a:rPr lang="en-US" dirty="0"/>
+              <a:t>  wrong  republicans  come </a:t>
+            </a:r>
+          </a:p>
+          <a:p>
+            <a:endParaRPr lang="en-US" dirty="0"/>
+          </a:p>
+        </p:txBody>
+      </p:sp>
+      <p:sp>
+        <p:nvSpPr>
+          <p:cNvPr id="7" name="Rectangle 6"/>
+          <p:cNvSpPr/>
+          <p:nvPr/>
+        </p:nvSpPr>
+        <p:spPr>
+          <a:xfrm>
+            <a:off x="372534" y="5913640"/>
+            <a:ext cx="8466666" cy="738664"/>
+          </a:xfrm>
+          <a:prstGeom prst="rect">
+            <a:avLst/>
+          </a:prstGeom>
+        </p:spPr>
+        <p:txBody>
+          <a:bodyPr wrap="square">
+            <a:spAutoFit/>
+          </a:bodyPr>
+          <a:lstStyle/>
+          <a:p>
+            <a:pPr algn="ctr"/>
+            <a:r>
+              <a:rPr lang="en-US" b="1" dirty="0" smtClean="0">
+                <a:solidFill>
+                  <a:schemeClr val="accent5"/>
+                </a:solidFill>
+                <a:latin typeface="Times" charset="0"/>
+              </a:rPr>
+              <a:t>Top Four Significant Words From The Experiment Results Of Actual Paper</a:t>
+            </a:r>
+          </a:p>
+          <a:p>
+            <a:pPr algn="ctr"/>
+            <a:r>
+              <a:rPr lang="en-US" sz="2400" b="1" dirty="0" smtClean="0">
+                <a:latin typeface="Times" charset="0"/>
+              </a:rPr>
+              <a:t>tax cut, oil energy</a:t>
+            </a:r>
+            <a:r>
+              <a:rPr lang="en-US" sz="2400" dirty="0" smtClean="0">
+                <a:latin typeface="Times" charset="0"/>
+              </a:rPr>
+              <a:t>, </a:t>
+            </a:r>
+            <a:r>
+              <a:rPr lang="en-US" sz="2400" b="1" dirty="0" smtClean="0">
+                <a:latin typeface="Times" charset="0"/>
+              </a:rPr>
+              <a:t>abortion, gun control</a:t>
+            </a:r>
+            <a:endParaRPr lang="en-US" sz="2400" dirty="0">
+              <a:effectLst/>
+            </a:endParaRPr>
           </a:p>
         </p:txBody>
       </p:sp>
@@ -7904,6 +8158,771 @@
   <p:clrMapOvr>
     <a:masterClrMapping/>
   </p:clrMapOvr>
+  <p:timing>
+    <p:tnLst>
+      <p:par>
+        <p:cTn id="1" dur="indefinite" restart="never" nodeType="tmRoot"/>
+      </p:par>
+    </p:tnLst>
+  </p:timing>
+</p:sld>
+</file>
+
+<file path=ppt/slides/slide17.xml><?xml version="1.0" encoding="utf-8"?>
+<p:sld xmlns:a="http://schemas.openxmlformats.org/drawingml/2006/main" xmlns:r="http://schemas.openxmlformats.org/officeDocument/2006/relationships" xmlns:p="http://schemas.openxmlformats.org/presentationml/2006/main">
+  <p:cSld>
+    <p:spTree>
+      <p:nvGrpSpPr>
+        <p:cNvPr id="1" name=""/>
+        <p:cNvGrpSpPr/>
+        <p:nvPr/>
+      </p:nvGrpSpPr>
+      <p:grpSpPr>
+        <a:xfrm>
+          <a:off x="0" y="0"/>
+          <a:ext cx="0" cy="0"/>
+          <a:chOff x="0" y="0"/>
+          <a:chExt cx="0" cy="0"/>
+        </a:xfrm>
+      </p:grpSpPr>
+      <p:sp>
+        <p:nvSpPr>
+          <p:cNvPr id="2" name="Title 1"/>
+          <p:cNvSpPr>
+            <a:spLocks noGrp="1"/>
+          </p:cNvSpPr>
+          <p:nvPr>
+            <p:ph type="title"/>
+          </p:nvPr>
+        </p:nvSpPr>
+        <p:spPr/>
+        <p:txBody>
+          <a:bodyPr>
+            <a:normAutofit fontScale="90000"/>
+          </a:bodyPr>
+          <a:lstStyle/>
+          <a:p>
+            <a:r>
+              <a:rPr lang="en-US" dirty="0"/>
+              <a:t>Test Results showing </a:t>
+            </a:r>
+            <a:r>
+              <a:rPr lang="en-US" dirty="0" smtClean="0"/>
+              <a:t>Top significant words Related To 2000 Presidential Election  </a:t>
+            </a:r>
+            <a:r>
+              <a:rPr lang="en-US" dirty="0"/>
+              <a:t/>
+            </a:r>
+            <a:br>
+              <a:rPr lang="en-US" dirty="0"/>
+            </a:br>
+            <a:endParaRPr lang="en-US" dirty="0"/>
+          </a:p>
+        </p:txBody>
+      </p:sp>
+      <p:sp>
+        <p:nvSpPr>
+          <p:cNvPr id="3" name="Content Placeholder 2"/>
+          <p:cNvSpPr>
+            <a:spLocks noGrp="1"/>
+          </p:cNvSpPr>
+          <p:nvPr>
+            <p:ph idx="1"/>
+          </p:nvPr>
+        </p:nvSpPr>
+        <p:spPr>
+          <a:xfrm>
+            <a:off x="677334" y="1930400"/>
+            <a:ext cx="7202310" cy="4025899"/>
+          </a:xfrm>
+        </p:spPr>
+        <p:txBody>
+          <a:bodyPr>
+            <a:normAutofit/>
+          </a:bodyPr>
+          <a:lstStyle/>
+          <a:p>
+            <a:r>
+              <a:rPr lang="en-US" dirty="0">
+                <a:solidFill>
+                  <a:srgbClr val="1D1C1D"/>
+                </a:solidFill>
+              </a:rPr>
+              <a:t>0. </a:t>
+            </a:r>
+            <a:r>
+              <a:rPr lang="en-US" b="1" dirty="0">
+                <a:solidFill>
+                  <a:schemeClr val="accent2"/>
+                </a:solidFill>
+              </a:rPr>
+              <a:t>oil</a:t>
+            </a:r>
+            <a:r>
+              <a:rPr lang="en-US" dirty="0">
+                <a:solidFill>
+                  <a:srgbClr val="1D1C1D"/>
+                </a:solidFill>
+              </a:rPr>
+              <a:t> said big </a:t>
+            </a:r>
+            <a:r>
+              <a:rPr lang="en-US" b="1" dirty="0">
+                <a:solidFill>
+                  <a:schemeClr val="accent2"/>
+                </a:solidFill>
+              </a:rPr>
+              <a:t>prices</a:t>
+            </a:r>
+            <a:r>
+              <a:rPr lang="en-US" dirty="0">
+                <a:solidFill>
+                  <a:srgbClr val="1D1C1D"/>
+                </a:solidFill>
+              </a:rPr>
+              <a:t> commission price campaign </a:t>
+            </a:r>
+            <a:endParaRPr lang="en-US" dirty="0" smtClean="0"/>
+          </a:p>
+          <a:p>
+            <a:r>
+              <a:rPr lang="en-US" dirty="0" smtClean="0">
+                <a:solidFill>
+                  <a:srgbClr val="1D1C1D"/>
+                </a:solidFill>
+              </a:rPr>
+              <a:t>1</a:t>
+            </a:r>
+            <a:r>
+              <a:rPr lang="en-US" dirty="0">
+                <a:solidFill>
+                  <a:srgbClr val="1D1C1D"/>
+                </a:solidFill>
+              </a:rPr>
+              <a:t>. said </a:t>
+            </a:r>
+            <a:r>
+              <a:rPr lang="en-US" dirty="0" err="1">
+                <a:solidFill>
+                  <a:srgbClr val="1D1C1D"/>
+                </a:solidFill>
+              </a:rPr>
+              <a:t>clinton</a:t>
+            </a:r>
+            <a:r>
+              <a:rPr lang="en-US" dirty="0">
+                <a:solidFill>
+                  <a:srgbClr val="1D1C1D"/>
+                </a:solidFill>
+              </a:rPr>
+              <a:t> new received tour national campaign </a:t>
+            </a:r>
+            <a:endParaRPr lang="en-US" dirty="0" smtClean="0"/>
+          </a:p>
+          <a:p>
+            <a:r>
+              <a:rPr lang="en-US" dirty="0" smtClean="0">
+                <a:solidFill>
+                  <a:srgbClr val="1D1C1D"/>
+                </a:solidFill>
+              </a:rPr>
+              <a:t>2</a:t>
+            </a:r>
+            <a:r>
+              <a:rPr lang="en-US" dirty="0">
+                <a:solidFill>
+                  <a:srgbClr val="1D1C1D"/>
+                </a:solidFill>
+              </a:rPr>
+              <a:t>. </a:t>
+            </a:r>
+            <a:r>
+              <a:rPr lang="en-US" b="1" dirty="0">
+                <a:solidFill>
+                  <a:schemeClr val="accent2"/>
+                </a:solidFill>
+              </a:rPr>
+              <a:t>social</a:t>
+            </a:r>
+            <a:r>
+              <a:rPr lang="en-US" dirty="0">
+                <a:solidFill>
+                  <a:srgbClr val="1D1C1D"/>
+                </a:solidFill>
+              </a:rPr>
+              <a:t> plan </a:t>
+            </a:r>
+            <a:r>
+              <a:rPr lang="en-US" b="1" dirty="0">
+                <a:solidFill>
+                  <a:schemeClr val="accent2"/>
+                </a:solidFill>
+              </a:rPr>
+              <a:t>security</a:t>
+            </a:r>
+            <a:r>
+              <a:rPr lang="en-US" dirty="0">
+                <a:solidFill>
+                  <a:srgbClr val="1D1C1D"/>
+                </a:solidFill>
+              </a:rPr>
+              <a:t> said </a:t>
+            </a:r>
+            <a:r>
+              <a:rPr lang="en-US" b="1" dirty="0">
+                <a:solidFill>
+                  <a:schemeClr val="accent2"/>
+                </a:solidFill>
+              </a:rPr>
+              <a:t>tax</a:t>
+            </a:r>
+            <a:r>
+              <a:rPr lang="en-US" dirty="0">
+                <a:solidFill>
+                  <a:srgbClr val="1D1C1D"/>
+                </a:solidFill>
+              </a:rPr>
+              <a:t> drug </a:t>
+            </a:r>
+            <a:r>
+              <a:rPr lang="en-US" b="1" dirty="0" err="1">
+                <a:solidFill>
+                  <a:schemeClr val="accent2"/>
+                </a:solidFill>
+              </a:rPr>
+              <a:t>medicare</a:t>
+            </a:r>
+            <a:r>
+              <a:rPr lang="en-US" dirty="0">
+                <a:solidFill>
+                  <a:srgbClr val="1D1C1D"/>
+                </a:solidFill>
+              </a:rPr>
+              <a:t> </a:t>
+            </a:r>
+            <a:endParaRPr lang="en-US" dirty="0" smtClean="0"/>
+          </a:p>
+          <a:p>
+            <a:r>
+              <a:rPr lang="en-US" dirty="0" smtClean="0">
+                <a:solidFill>
+                  <a:srgbClr val="1D1C1D"/>
+                </a:solidFill>
+              </a:rPr>
+              <a:t>3</a:t>
+            </a:r>
+            <a:r>
+              <a:rPr lang="en-US" dirty="0">
+                <a:solidFill>
+                  <a:srgbClr val="1D1C1D"/>
+                </a:solidFill>
+              </a:rPr>
+              <a:t>. </a:t>
+            </a:r>
+            <a:r>
+              <a:rPr lang="en-US" b="1" dirty="0">
+                <a:solidFill>
+                  <a:schemeClr val="accent2"/>
+                </a:solidFill>
+              </a:rPr>
+              <a:t>abortion</a:t>
+            </a:r>
+            <a:r>
+              <a:rPr lang="en-US" dirty="0">
+                <a:solidFill>
+                  <a:srgbClr val="1D1C1D"/>
+                </a:solidFill>
+              </a:rPr>
+              <a:t> said rights platform </a:t>
+            </a:r>
+            <a:r>
+              <a:rPr lang="en-US" dirty="0" err="1">
+                <a:solidFill>
+                  <a:srgbClr val="1D1C1D"/>
+                </a:solidFill>
+              </a:rPr>
+              <a:t>lazio</a:t>
+            </a:r>
+            <a:r>
+              <a:rPr lang="en-US" dirty="0">
+                <a:solidFill>
+                  <a:srgbClr val="1D1C1D"/>
+                </a:solidFill>
+              </a:rPr>
+              <a:t> </a:t>
+            </a:r>
+            <a:r>
+              <a:rPr lang="en-US" dirty="0" err="1">
+                <a:solidFill>
+                  <a:srgbClr val="1D1C1D"/>
+                </a:solidFill>
+              </a:rPr>
+              <a:t>june</a:t>
+            </a:r>
+            <a:r>
+              <a:rPr lang="en-US" dirty="0">
+                <a:solidFill>
+                  <a:srgbClr val="1D1C1D"/>
+                </a:solidFill>
+              </a:rPr>
+              <a:t> woman </a:t>
+            </a:r>
+            <a:endParaRPr lang="en-US" dirty="0" smtClean="0"/>
+          </a:p>
+          <a:p>
+            <a:r>
+              <a:rPr lang="en-US" dirty="0" smtClean="0">
+                <a:solidFill>
+                  <a:srgbClr val="1D1C1D"/>
+                </a:solidFill>
+              </a:rPr>
+              <a:t>4</a:t>
+            </a:r>
+            <a:r>
+              <a:rPr lang="en-US" dirty="0">
+                <a:solidFill>
+                  <a:srgbClr val="1D1C1D"/>
+                </a:solidFill>
+              </a:rPr>
+              <a:t>. money spending budget </a:t>
+            </a:r>
+            <a:r>
+              <a:rPr lang="en-US" b="1" dirty="0">
+                <a:solidFill>
+                  <a:schemeClr val="accent2"/>
+                </a:solidFill>
+              </a:rPr>
+              <a:t>tax</a:t>
+            </a:r>
+            <a:r>
+              <a:rPr lang="en-US" dirty="0">
+                <a:solidFill>
+                  <a:srgbClr val="1D1C1D"/>
+                </a:solidFill>
+              </a:rPr>
+              <a:t> surplus federal campaign </a:t>
+            </a:r>
+            <a:endParaRPr lang="en-US" dirty="0" smtClean="0"/>
+          </a:p>
+          <a:p>
+            <a:r>
+              <a:rPr lang="en-US" dirty="0" smtClean="0">
+                <a:solidFill>
+                  <a:srgbClr val="1D1C1D"/>
+                </a:solidFill>
+              </a:rPr>
+              <a:t>5</a:t>
+            </a:r>
+            <a:r>
+              <a:rPr lang="en-US" dirty="0">
+                <a:solidFill>
+                  <a:srgbClr val="1D1C1D"/>
+                </a:solidFill>
+              </a:rPr>
+              <a:t>. </a:t>
+            </a:r>
+            <a:r>
+              <a:rPr lang="en-US" b="1" dirty="0">
+                <a:solidFill>
+                  <a:schemeClr val="accent2"/>
+                </a:solidFill>
+              </a:rPr>
+              <a:t>health</a:t>
+            </a:r>
+            <a:r>
+              <a:rPr lang="en-US" dirty="0">
+                <a:solidFill>
+                  <a:srgbClr val="1D1C1D"/>
+                </a:solidFill>
+              </a:rPr>
+              <a:t> </a:t>
+            </a:r>
+            <a:r>
+              <a:rPr lang="en-US" b="1" dirty="0">
+                <a:solidFill>
+                  <a:schemeClr val="accent2"/>
+                </a:solidFill>
+              </a:rPr>
+              <a:t>care</a:t>
+            </a:r>
+            <a:r>
+              <a:rPr lang="en-US" dirty="0">
+                <a:solidFill>
+                  <a:srgbClr val="1D1C1D"/>
+                </a:solidFill>
+              </a:rPr>
+              <a:t> </a:t>
+            </a:r>
+            <a:r>
+              <a:rPr lang="en-US" b="1" dirty="0">
+                <a:solidFill>
+                  <a:schemeClr val="accent2"/>
+                </a:solidFill>
+              </a:rPr>
+              <a:t>tax</a:t>
+            </a:r>
+            <a:r>
+              <a:rPr lang="en-US" dirty="0">
+                <a:solidFill>
+                  <a:srgbClr val="1D1C1D"/>
+                </a:solidFill>
+              </a:rPr>
+              <a:t> education million children federal insurance </a:t>
+            </a:r>
+            <a:endParaRPr lang="en-US" dirty="0" smtClean="0"/>
+          </a:p>
+        </p:txBody>
+      </p:sp>
+      <p:sp>
+        <p:nvSpPr>
+          <p:cNvPr id="5" name="Rectangle 4"/>
+          <p:cNvSpPr/>
+          <p:nvPr/>
+        </p:nvSpPr>
+        <p:spPr>
+          <a:xfrm>
+            <a:off x="372534" y="5913640"/>
+            <a:ext cx="8466666" cy="738664"/>
+          </a:xfrm>
+          <a:prstGeom prst="rect">
+            <a:avLst/>
+          </a:prstGeom>
+        </p:spPr>
+        <p:txBody>
+          <a:bodyPr wrap="square">
+            <a:spAutoFit/>
+          </a:bodyPr>
+          <a:lstStyle/>
+          <a:p>
+            <a:pPr algn="ctr"/>
+            <a:r>
+              <a:rPr lang="en-US" b="1" dirty="0" smtClean="0">
+                <a:solidFill>
+                  <a:schemeClr val="accent5"/>
+                </a:solidFill>
+                <a:latin typeface="Times" charset="0"/>
+              </a:rPr>
+              <a:t>Top Four Significant Words From The Experiment Results Of Actual Paper</a:t>
+            </a:r>
+          </a:p>
+          <a:p>
+            <a:pPr algn="ctr"/>
+            <a:r>
+              <a:rPr lang="en-US" sz="2400" b="1" dirty="0" smtClean="0">
+                <a:latin typeface="Times" charset="0"/>
+              </a:rPr>
+              <a:t>tax cut, oil energy</a:t>
+            </a:r>
+            <a:r>
+              <a:rPr lang="en-US" sz="2400" dirty="0" smtClean="0">
+                <a:latin typeface="Times" charset="0"/>
+              </a:rPr>
+              <a:t>, </a:t>
+            </a:r>
+            <a:r>
+              <a:rPr lang="en-US" sz="2400" b="1" dirty="0" smtClean="0">
+                <a:latin typeface="Times" charset="0"/>
+              </a:rPr>
+              <a:t>abortion, gun control</a:t>
+            </a:r>
+            <a:endParaRPr lang="en-US" sz="2400" dirty="0">
+              <a:effectLst/>
+            </a:endParaRPr>
+          </a:p>
+        </p:txBody>
+      </p:sp>
+    </p:spTree>
+    <p:extLst>
+      <p:ext uri="{BB962C8B-B14F-4D97-AF65-F5344CB8AC3E}">
+        <p14:creationId xmlns:p14="http://schemas.microsoft.com/office/powerpoint/2010/main" val="1698391809"/>
+      </p:ext>
+    </p:extLst>
+  </p:cSld>
+  <p:clrMapOvr>
+    <a:masterClrMapping/>
+  </p:clrMapOvr>
+  <p:timing>
+    <p:tnLst>
+      <p:par>
+        <p:cTn id="1" dur="indefinite" restart="never" nodeType="tmRoot"/>
+      </p:par>
+    </p:tnLst>
+  </p:timing>
+</p:sld>
+</file>
+
+<file path=ppt/slides/slide18.xml><?xml version="1.0" encoding="utf-8"?>
+<p:sld xmlns:a="http://schemas.openxmlformats.org/drawingml/2006/main" xmlns:r="http://schemas.openxmlformats.org/officeDocument/2006/relationships" xmlns:p="http://schemas.openxmlformats.org/presentationml/2006/main">
+  <p:cSld>
+    <p:spTree>
+      <p:nvGrpSpPr>
+        <p:cNvPr id="1" name=""/>
+        <p:cNvGrpSpPr/>
+        <p:nvPr/>
+      </p:nvGrpSpPr>
+      <p:grpSpPr>
+        <a:xfrm>
+          <a:off x="0" y="0"/>
+          <a:ext cx="0" cy="0"/>
+          <a:chOff x="0" y="0"/>
+          <a:chExt cx="0" cy="0"/>
+        </a:xfrm>
+      </p:grpSpPr>
+      <p:sp>
+        <p:nvSpPr>
+          <p:cNvPr id="2" name="Title 1"/>
+          <p:cNvSpPr>
+            <a:spLocks noGrp="1"/>
+          </p:cNvSpPr>
+          <p:nvPr>
+            <p:ph type="title"/>
+          </p:nvPr>
+        </p:nvSpPr>
+        <p:spPr>
+          <a:xfrm>
+            <a:off x="677334" y="609600"/>
+            <a:ext cx="8596668" cy="722489"/>
+          </a:xfrm>
+        </p:spPr>
+        <p:txBody>
+          <a:bodyPr>
+            <a:noAutofit/>
+          </a:bodyPr>
+          <a:lstStyle/>
+          <a:p>
+            <a:r>
+              <a:rPr lang="en-US" sz="2000" b="1" dirty="0" smtClean="0"/>
+              <a:t>Causality </a:t>
+            </a:r>
+            <a:r>
+              <a:rPr lang="en-US" sz="2000" b="1" dirty="0"/>
+              <a:t>confidence </a:t>
+            </a:r>
+            <a:r>
+              <a:rPr lang="en-US" sz="2000" b="1" dirty="0" smtClean="0"/>
+              <a:t>and </a:t>
+            </a:r>
+            <a:r>
+              <a:rPr lang="en-US" sz="2000" b="1" dirty="0"/>
+              <a:t>purity </a:t>
+            </a:r>
+            <a:r>
+              <a:rPr lang="en-US" sz="2000" b="1" dirty="0" smtClean="0"/>
+              <a:t>(right) with different </a:t>
+            </a:r>
+            <a:r>
+              <a:rPr lang="en-US" sz="2000" b="1" dirty="0"/>
+              <a:t>parameter settings over iteration (Presidential election data, Granger tests) </a:t>
+            </a:r>
+            <a:r>
+              <a:rPr lang="en-US" sz="2000" dirty="0"/>
+              <a:t/>
+            </a:r>
+            <a:br>
+              <a:rPr lang="en-US" sz="2000" dirty="0"/>
+            </a:br>
+            <a:endParaRPr lang="en-US" sz="2000" dirty="0"/>
+          </a:p>
+        </p:txBody>
+      </p:sp>
+      <p:pic>
+        <p:nvPicPr>
+          <p:cNvPr id="8" name="Picture 7"/>
+          <p:cNvPicPr>
+            <a:picLocks noChangeAspect="1"/>
+          </p:cNvPicPr>
+          <p:nvPr/>
+        </p:nvPicPr>
+        <p:blipFill>
+          <a:blip r:embed="rId2">
+            <a:extLst>
+              <a:ext uri="{28A0092B-C50C-407E-A947-70E740481C1C}">
+                <a14:useLocalDpi xmlns:a14="http://schemas.microsoft.com/office/drawing/2010/main" val="0"/>
+              </a:ext>
+            </a:extLst>
+          </a:blip>
+          <a:stretch>
+            <a:fillRect/>
+          </a:stretch>
+        </p:blipFill>
+        <p:spPr>
+          <a:xfrm>
+            <a:off x="677334" y="1332089"/>
+            <a:ext cx="8387318" cy="5320440"/>
+          </a:xfrm>
+          <a:prstGeom prst="rect">
+            <a:avLst/>
+          </a:prstGeom>
+        </p:spPr>
+      </p:pic>
+    </p:spTree>
+    <p:extLst>
+      <p:ext uri="{BB962C8B-B14F-4D97-AF65-F5344CB8AC3E}">
+        <p14:creationId xmlns:p14="http://schemas.microsoft.com/office/powerpoint/2010/main" val="2108004353"/>
+      </p:ext>
+    </p:extLst>
+  </p:cSld>
+  <p:clrMapOvr>
+    <a:masterClrMapping/>
+  </p:clrMapOvr>
+  <p:timing>
+    <p:tnLst>
+      <p:par>
+        <p:cTn id="1" dur="indefinite" restart="never" nodeType="tmRoot"/>
+      </p:par>
+    </p:tnLst>
+  </p:timing>
+</p:sld>
+</file>
+
+<file path=ppt/slides/slide19.xml><?xml version="1.0" encoding="utf-8"?>
+<p:sld xmlns:a="http://schemas.openxmlformats.org/drawingml/2006/main" xmlns:r="http://schemas.openxmlformats.org/officeDocument/2006/relationships" xmlns:p="http://schemas.openxmlformats.org/presentationml/2006/main">
+  <p:cSld>
+    <p:spTree>
+      <p:nvGrpSpPr>
+        <p:cNvPr id="1" name=""/>
+        <p:cNvGrpSpPr/>
+        <p:nvPr/>
+      </p:nvGrpSpPr>
+      <p:grpSpPr>
+        <a:xfrm>
+          <a:off x="0" y="0"/>
+          <a:ext cx="0" cy="0"/>
+          <a:chOff x="0" y="0"/>
+          <a:chExt cx="0" cy="0"/>
+        </a:xfrm>
+      </p:grpSpPr>
+      <p:sp>
+        <p:nvSpPr>
+          <p:cNvPr id="2" name="Title 1"/>
+          <p:cNvSpPr>
+            <a:spLocks noGrp="1"/>
+          </p:cNvSpPr>
+          <p:nvPr>
+            <p:ph type="title"/>
+          </p:nvPr>
+        </p:nvSpPr>
+        <p:spPr/>
+        <p:txBody>
+          <a:bodyPr/>
+          <a:lstStyle/>
+          <a:p>
+            <a:r>
+              <a:rPr lang="en-US" dirty="0" smtClean="0"/>
+              <a:t>Deviation From Paper</a:t>
+            </a:r>
+            <a:endParaRPr lang="en-US" dirty="0"/>
+          </a:p>
+        </p:txBody>
+      </p:sp>
+      <p:sp>
+        <p:nvSpPr>
+          <p:cNvPr id="3" name="Content Placeholder 2"/>
+          <p:cNvSpPr>
+            <a:spLocks noGrp="1"/>
+          </p:cNvSpPr>
+          <p:nvPr>
+            <p:ph idx="1"/>
+          </p:nvPr>
+        </p:nvSpPr>
+        <p:spPr>
+          <a:xfrm>
+            <a:off x="677334" y="1693333"/>
+            <a:ext cx="8432800" cy="4809067"/>
+          </a:xfrm>
+        </p:spPr>
+        <p:txBody>
+          <a:bodyPr>
+            <a:noAutofit/>
+          </a:bodyPr>
+          <a:lstStyle/>
+          <a:p>
+            <a:pPr algn="just" fontAlgn="auto"/>
+            <a:r>
+              <a:rPr lang="en-US" b="1" dirty="0"/>
+              <a:t>Probabilistic Topic </a:t>
+            </a:r>
+            <a:r>
+              <a:rPr lang="en-US" b="1" dirty="0" smtClean="0"/>
+              <a:t>Modeling</a:t>
+            </a:r>
+          </a:p>
+          <a:p>
+            <a:pPr lvl="1" algn="just"/>
+            <a:r>
+              <a:rPr lang="en-US" dirty="0" smtClean="0"/>
+              <a:t>In </a:t>
+            </a:r>
+            <a:r>
+              <a:rPr lang="en-US" dirty="0"/>
+              <a:t>the paper the authors have used the Lemur PLSA but in our implementation we have used Gensim LDA. </a:t>
+            </a:r>
+            <a:endParaRPr lang="en-US" dirty="0" smtClean="0"/>
+          </a:p>
+          <a:p>
+            <a:pPr algn="just" fontAlgn="auto"/>
+            <a:endParaRPr lang="en-US" dirty="0"/>
+          </a:p>
+          <a:p>
+            <a:pPr algn="just" fontAlgn="auto"/>
+            <a:r>
+              <a:rPr lang="en-US" b="1" dirty="0" smtClean="0"/>
+              <a:t>Mu (Prior Strength)</a:t>
+            </a:r>
+          </a:p>
+          <a:p>
+            <a:pPr lvl="1" algn="just"/>
+            <a:r>
+              <a:rPr lang="en-US" dirty="0" smtClean="0"/>
+              <a:t>In </a:t>
+            </a:r>
+            <a:r>
+              <a:rPr lang="en-US" dirty="0"/>
+              <a:t>paper Mu is the value that controls the weightage of the prior. Instead of using the mu values provided in the paper we considered decay as the Mu parameter. Decay in the LDA model works similar to mu and is used to control the rate of forgetting the previous values. </a:t>
+            </a:r>
+            <a:endParaRPr lang="en-US" dirty="0" smtClean="0"/>
+          </a:p>
+          <a:p>
+            <a:pPr algn="just" fontAlgn="auto"/>
+            <a:r>
+              <a:rPr lang="en-US" b="1" dirty="0" smtClean="0"/>
+              <a:t>Lag </a:t>
+            </a:r>
+          </a:p>
+          <a:p>
+            <a:pPr lvl="1" algn="just"/>
+            <a:r>
+              <a:rPr lang="en-US" dirty="0" smtClean="0"/>
+              <a:t>We </a:t>
+            </a:r>
+            <a:r>
+              <a:rPr lang="en-US" dirty="0"/>
+              <a:t>tried 2 approaches for selecting the best lag for words. One was to use the same lag as the topic and the other was to take the best lag for word independent from that of the topic. When comparing the both we found that the second approach gave better results. </a:t>
+            </a:r>
+          </a:p>
+          <a:p>
+            <a:endParaRPr lang="en-US" dirty="0"/>
+          </a:p>
+        </p:txBody>
+      </p:sp>
+    </p:spTree>
+    <p:extLst>
+      <p:ext uri="{BB962C8B-B14F-4D97-AF65-F5344CB8AC3E}">
+        <p14:creationId xmlns:p14="http://schemas.microsoft.com/office/powerpoint/2010/main" val="1200930255"/>
+      </p:ext>
+    </p:extLst>
+  </p:cSld>
+  <p:clrMapOvr>
+    <a:masterClrMapping/>
+  </p:clrMapOvr>
+  <p:timing>
+    <p:tnLst>
+      <p:par>
+        <p:cTn id="1" dur="indefinite" restart="never" nodeType="tmRoot"/>
+      </p:par>
+    </p:tnLst>
+  </p:timing>
 </p:sld>
 </file>
 
@@ -8071,6 +9090,283 @@
     <p:extLst>
       <p:ext uri="{BB962C8B-B14F-4D97-AF65-F5344CB8AC3E}">
         <p14:creationId xmlns:p14="http://schemas.microsoft.com/office/powerpoint/2010/main" val="1919933232"/>
+      </p:ext>
+    </p:extLst>
+  </p:cSld>
+  <p:clrMapOvr>
+    <a:masterClrMapping/>
+  </p:clrMapOvr>
+  <p:timing>
+    <p:tnLst>
+      <p:par>
+        <p:cTn id="1" dur="indefinite" restart="never" nodeType="tmRoot"/>
+      </p:par>
+    </p:tnLst>
+  </p:timing>
+</p:sld>
+</file>
+
+<file path=ppt/slides/slide20.xml><?xml version="1.0" encoding="utf-8"?>
+<p:sld xmlns:a="http://schemas.openxmlformats.org/drawingml/2006/main" xmlns:r="http://schemas.openxmlformats.org/officeDocument/2006/relationships" xmlns:p="http://schemas.openxmlformats.org/presentationml/2006/main">
+  <p:cSld>
+    <p:spTree>
+      <p:nvGrpSpPr>
+        <p:cNvPr id="1" name=""/>
+        <p:cNvGrpSpPr/>
+        <p:nvPr/>
+      </p:nvGrpSpPr>
+      <p:grpSpPr>
+        <a:xfrm>
+          <a:off x="0" y="0"/>
+          <a:ext cx="0" cy="0"/>
+          <a:chOff x="0" y="0"/>
+          <a:chExt cx="0" cy="0"/>
+        </a:xfrm>
+      </p:grpSpPr>
+      <p:sp>
+        <p:nvSpPr>
+          <p:cNvPr id="2" name="Title 1"/>
+          <p:cNvSpPr>
+            <a:spLocks noGrp="1"/>
+          </p:cNvSpPr>
+          <p:nvPr>
+            <p:ph type="title"/>
+          </p:nvPr>
+        </p:nvSpPr>
+        <p:spPr/>
+        <p:txBody>
+          <a:bodyPr/>
+          <a:lstStyle/>
+          <a:p>
+            <a:r>
+              <a:rPr lang="en-US" dirty="0" smtClean="0"/>
+              <a:t>Our Results Vs. Result From Paper</a:t>
+            </a:r>
+            <a:endParaRPr lang="en-US" dirty="0"/>
+          </a:p>
+        </p:txBody>
+      </p:sp>
+      <p:sp>
+        <p:nvSpPr>
+          <p:cNvPr id="3" name="Content Placeholder 2"/>
+          <p:cNvSpPr>
+            <a:spLocks noGrp="1"/>
+          </p:cNvSpPr>
+          <p:nvPr>
+            <p:ph idx="1"/>
+          </p:nvPr>
+        </p:nvSpPr>
+        <p:spPr>
+          <a:xfrm>
+            <a:off x="677334" y="1636889"/>
+            <a:ext cx="8596668" cy="4404473"/>
+          </a:xfrm>
+        </p:spPr>
+        <p:txBody>
+          <a:bodyPr/>
+          <a:lstStyle/>
+          <a:p>
+            <a:pPr marL="0" indent="0" algn="ctr">
+              <a:buNone/>
+            </a:pPr>
+            <a:endParaRPr lang="en-US" dirty="0" smtClean="0"/>
+          </a:p>
+          <a:p>
+            <a:pPr marL="0" indent="0" algn="ctr">
+              <a:buNone/>
+            </a:pPr>
+            <a:endParaRPr lang="en-US" dirty="0"/>
+          </a:p>
+          <a:p>
+            <a:pPr algn="just"/>
+            <a:r>
+              <a:rPr lang="en-US" dirty="0"/>
+              <a:t>C</a:t>
+            </a:r>
+            <a:r>
+              <a:rPr lang="en-US" dirty="0" smtClean="0"/>
+              <a:t>ompleted </a:t>
+            </a:r>
+            <a:r>
+              <a:rPr lang="en-US" dirty="0"/>
+              <a:t>the entire implementation of the </a:t>
+            </a:r>
+            <a:r>
+              <a:rPr lang="en-US" dirty="0" smtClean="0"/>
+              <a:t>paper and our </a:t>
+            </a:r>
+            <a:r>
+              <a:rPr lang="en-US" dirty="0"/>
+              <a:t>results </a:t>
+            </a:r>
+            <a:r>
+              <a:rPr lang="en-US" dirty="0" smtClean="0"/>
+              <a:t>were similar </a:t>
+            </a:r>
+            <a:r>
+              <a:rPr lang="en-US" dirty="0"/>
+              <a:t>to that </a:t>
+            </a:r>
+            <a:r>
+              <a:rPr lang="en-US" dirty="0" smtClean="0"/>
+              <a:t>showed in the paper</a:t>
+            </a:r>
+            <a:r>
+              <a:rPr lang="en-US" dirty="0"/>
+              <a:t>. </a:t>
+            </a:r>
+            <a:endParaRPr lang="en-US" dirty="0" smtClean="0"/>
+          </a:p>
+          <a:p>
+            <a:pPr algn="just"/>
+            <a:r>
+              <a:rPr lang="en-US" dirty="0" smtClean="0"/>
+              <a:t>There </a:t>
+            </a:r>
+            <a:r>
+              <a:rPr lang="en-US" dirty="0"/>
+              <a:t>are words that were found in the implementation which are not seen in paper but are some important election related words. </a:t>
+            </a:r>
+            <a:endParaRPr lang="en-US" dirty="0" smtClean="0"/>
+          </a:p>
+          <a:p>
+            <a:pPr algn="just"/>
+            <a:r>
+              <a:rPr lang="en-US" dirty="0" smtClean="0"/>
+              <a:t>The </a:t>
+            </a:r>
+            <a:r>
+              <a:rPr lang="en-US" dirty="0"/>
+              <a:t>difference in the plots and the output words between the implementation and the paper might be because of the above deviations mentioned. </a:t>
+            </a:r>
+          </a:p>
+          <a:p>
+            <a:endParaRPr lang="en-US" dirty="0"/>
+          </a:p>
+        </p:txBody>
+      </p:sp>
+    </p:spTree>
+    <p:extLst>
+      <p:ext uri="{BB962C8B-B14F-4D97-AF65-F5344CB8AC3E}">
+        <p14:creationId xmlns:p14="http://schemas.microsoft.com/office/powerpoint/2010/main" val="1801578789"/>
+      </p:ext>
+    </p:extLst>
+  </p:cSld>
+  <p:clrMapOvr>
+    <a:masterClrMapping/>
+  </p:clrMapOvr>
+  <p:timing>
+    <p:tnLst>
+      <p:par>
+        <p:cTn id="1" dur="indefinite" restart="never" nodeType="tmRoot"/>
+      </p:par>
+    </p:tnLst>
+  </p:timing>
+</p:sld>
+</file>
+
+<file path=ppt/slides/slide21.xml><?xml version="1.0" encoding="utf-8"?>
+<p:sld xmlns:a="http://schemas.openxmlformats.org/drawingml/2006/main" xmlns:r="http://schemas.openxmlformats.org/officeDocument/2006/relationships" xmlns:p="http://schemas.openxmlformats.org/presentationml/2006/main">
+  <p:cSld>
+    <p:spTree>
+      <p:nvGrpSpPr>
+        <p:cNvPr id="1" name=""/>
+        <p:cNvGrpSpPr/>
+        <p:nvPr/>
+      </p:nvGrpSpPr>
+      <p:grpSpPr>
+        <a:xfrm>
+          <a:off x="0" y="0"/>
+          <a:ext cx="0" cy="0"/>
+          <a:chOff x="0" y="0"/>
+          <a:chExt cx="0" cy="0"/>
+        </a:xfrm>
+      </p:grpSpPr>
+      <p:sp>
+        <p:nvSpPr>
+          <p:cNvPr id="2" name="Title 1"/>
+          <p:cNvSpPr>
+            <a:spLocks noGrp="1"/>
+          </p:cNvSpPr>
+          <p:nvPr>
+            <p:ph type="title"/>
+          </p:nvPr>
+        </p:nvSpPr>
+        <p:spPr/>
+        <p:txBody>
+          <a:bodyPr/>
+          <a:lstStyle/>
+          <a:p>
+            <a:r>
+              <a:rPr lang="en-US" dirty="0" smtClean="0"/>
+              <a:t>Video Tutorial: Sample Execution of Implemented Solution</a:t>
+            </a:r>
+            <a:endParaRPr lang="en-US" dirty="0"/>
+          </a:p>
+        </p:txBody>
+      </p:sp>
+      <p:sp>
+        <p:nvSpPr>
+          <p:cNvPr id="4" name="Rectangle 3"/>
+          <p:cNvSpPr/>
+          <p:nvPr/>
+        </p:nvSpPr>
+        <p:spPr>
+          <a:xfrm>
+            <a:off x="1128889" y="2460978"/>
+            <a:ext cx="6897511" cy="2641600"/>
+          </a:xfrm>
+          <a:prstGeom prst="rect">
+            <a:avLst/>
+          </a:prstGeom>
+        </p:spPr>
+        <p:style>
+          <a:lnRef idx="2">
+            <a:schemeClr val="dk1">
+              <a:shade val="50000"/>
+            </a:schemeClr>
+          </a:lnRef>
+          <a:fillRef idx="1">
+            <a:schemeClr val="dk1"/>
+          </a:fillRef>
+          <a:effectRef idx="0">
+            <a:schemeClr val="dk1"/>
+          </a:effectRef>
+          <a:fontRef idx="minor">
+            <a:schemeClr val="lt1"/>
+          </a:fontRef>
+        </p:style>
+        <p:txBody>
+          <a:bodyPr rtlCol="0" anchor="ctr"/>
+          <a:lstStyle/>
+          <a:p>
+            <a:pPr algn="ctr"/>
+            <a:r>
+              <a:rPr lang="en-US" dirty="0">
+                <a:hlinkClick r:id="rId2"/>
+              </a:rPr>
+              <a:t>https</a:t>
+            </a:r>
+            <a:r>
+              <a:rPr lang="en-US">
+                <a:hlinkClick r:id="rId2"/>
+              </a:rPr>
+              <a:t>://</a:t>
+            </a:r>
+            <a:r>
+              <a:rPr lang="en-US" dirty="0" smtClean="0">
+                <a:hlinkClick r:id="rId2"/>
+              </a:rPr>
+              <a:t>www.youtube.com/watch?v=7eKNR8kWMwM</a:t>
+            </a:r>
+            <a:endParaRPr lang="en-US" dirty="0" smtClean="0"/>
+          </a:p>
+        </p:txBody>
+      </p:sp>
+    </p:spTree>
+    <p:extLst>
+      <p:ext uri="{BB962C8B-B14F-4D97-AF65-F5344CB8AC3E}">
+        <p14:creationId xmlns:p14="http://schemas.microsoft.com/office/powerpoint/2010/main" val="1205742983"/>
       </p:ext>
     </p:extLst>
   </p:cSld>
@@ -8822,7 +10118,7 @@
             <a:pPr lvl="1"/>
             <a:r>
               <a:rPr lang="en-US" dirty="0" smtClean="0"/>
-              <a:t>Refine and create Presidential Prediction Market prices dataset from 1</a:t>
+              <a:t>Refine and create Presidential Prediction Market prices (from IOWA Electronic Market) dataset from 1</a:t>
             </a:r>
             <a:r>
               <a:rPr lang="en-US" baseline="30000" dirty="0" smtClean="0"/>

--- a/documentation/Project Presentation.pptx
+++ b/documentation/Project Presentation.pptx
@@ -6684,7 +6684,15 @@
           <a:p>
             <a:r>
               <a:rPr lang="en-US" sz="2400" dirty="0" smtClean="0"/>
-              <a:t>Examples of use case/testing result to show how out implementation is working and matching with the framework presented in the paper. </a:t>
+              <a:t>Examples of use case/testing result to show how </a:t>
+            </a:r>
+            <a:r>
+              <a:rPr lang="en-US" sz="2400" dirty="0" smtClean="0"/>
+              <a:t>our </a:t>
+            </a:r>
+            <a:r>
+              <a:rPr lang="en-US" sz="2400" dirty="0" smtClean="0"/>
+              <a:t>implementation is working and matching with the framework presented in the paper. </a:t>
             </a:r>
             <a:endParaRPr lang="en-US" sz="2400" dirty="0"/>
           </a:p>
@@ -7546,7 +7554,15 @@
             <a:pPr lvl="1"/>
             <a:r>
               <a:rPr lang="en-US" dirty="0" smtClean="0"/>
-              <a:t>Documentation directory contains project proposal, project progress report, documentation and presentation. </a:t>
+              <a:t>Documentation directory contains project proposal, project progress report, </a:t>
+            </a:r>
+            <a:r>
+              <a:rPr lang="en-US" dirty="0" smtClean="0"/>
+              <a:t>project documentation </a:t>
+            </a:r>
+            <a:r>
+              <a:rPr lang="en-US" dirty="0" smtClean="0"/>
+              <a:t>and presentation. </a:t>
             </a:r>
           </a:p>
           <a:p>
@@ -9140,7 +9156,11 @@
           <a:p>
             <a:r>
               <a:rPr lang="en-US" dirty="0" smtClean="0"/>
-              <a:t>Our Results Vs. Result From Paper</a:t>
+              <a:t>Our Results Vs. </a:t>
+            </a:r>
+            <a:r>
+              <a:rPr lang="en-US" dirty="0" smtClean="0"/>
+              <a:t>Results From Paper</a:t>
             </a:r>
             <a:endParaRPr lang="en-US" dirty="0"/>
           </a:p>
@@ -9225,7 +9245,15 @@
             </a:r>
             <a:r>
               <a:rPr lang="en-US" dirty="0"/>
-              <a:t>are words that were found in the implementation which are not seen in paper but are some important election related words. </a:t>
+              <a:t>are words that were found in the implementation which are not seen in paper but are some important </a:t>
+            </a:r>
+            <a:r>
+              <a:rPr lang="en-US" dirty="0" smtClean="0"/>
+              <a:t>2000 presidential election </a:t>
+            </a:r>
+            <a:r>
+              <a:rPr lang="en-US" dirty="0"/>
+              <a:t>related words. </a:t>
             </a:r>
             <a:endParaRPr lang="en-US" dirty="0" smtClean="0"/>
           </a:p>
@@ -9237,7 +9265,15 @@
             </a:r>
             <a:r>
               <a:rPr lang="en-US" dirty="0"/>
-              <a:t>difference in the plots and the output words between the implementation and the paper might be because of the above deviations mentioned. </a:t>
+              <a:t>difference in the plots and the output words between the implementation and the paper </a:t>
+            </a:r>
+            <a:r>
+              <a:rPr lang="en-US" dirty="0" smtClean="0"/>
+              <a:t>are because </a:t>
+            </a:r>
+            <a:r>
+              <a:rPr lang="en-US" dirty="0"/>
+              <a:t>of the above deviations mentioned. </a:t>
             </a:r>
           </a:p>
           <a:p>
@@ -9299,7 +9335,19 @@
           <a:p>
             <a:r>
               <a:rPr lang="en-US" dirty="0" smtClean="0"/>
-              <a:t>Video Tutorial: Sample Execution of Implemented Solution</a:t>
+              <a:t>Video Tutorial: </a:t>
+            </a:r>
+            <a:r>
+              <a:rPr lang="en-US" dirty="0" smtClean="0"/>
+              <a:t>Execution </a:t>
+            </a:r>
+            <a:r>
+              <a:rPr lang="en-US" dirty="0" smtClean="0"/>
+              <a:t>of Implemented </a:t>
+            </a:r>
+            <a:r>
+              <a:rPr lang="en-US" dirty="0" smtClean="0"/>
+              <a:t>In Local Environment</a:t>
             </a:r>
             <a:endParaRPr lang="en-US" dirty="0"/>
           </a:p>
@@ -9593,7 +9641,6 @@
             <a:endParaRPr lang="en-US" dirty="0"/>
           </a:p>
           <a:p>
-            <a:pPr algn="just"/>
             <a:r>
               <a:rPr lang="en-US" b="1" dirty="0" smtClean="0"/>
               <a:t>Granger Test: </a:t>
@@ -9608,7 +9655,18 @@
             </a:r>
             <a:r>
               <a:rPr lang="en-US" dirty="0" smtClean="0"/>
-              <a:t>.(Here we have used - </a:t>
+              <a:t>.</a:t>
+            </a:r>
+          </a:p>
+          <a:p>
+            <a:pPr lvl="1"/>
+            <a:r>
+              <a:rPr lang="en-US" dirty="0" smtClean="0"/>
+              <a:t>We have used this for our implementation  </a:t>
+            </a:r>
+            <a:r>
+              <a:rPr lang="en-US" dirty="0" smtClean="0"/>
+              <a:t>- </a:t>
             </a:r>
             <a:r>
               <a:rPr lang="en-US" dirty="0" smtClean="0">
@@ -9807,7 +9865,15 @@
             </a:r>
             <a:r>
               <a:rPr lang="en-US" dirty="0" smtClean="0"/>
-              <a:t>This is another quality measure to determine the impact orientation of significant words. Higher purity means a topic with same orientations words (positive impact only) and lower purity means mixed orientation words in a topic (positive and negative both).	</a:t>
+              <a:t>This is another quality measure to determine the impact orientation of significant words. Higher purity means a topic with same </a:t>
+            </a:r>
+            <a:r>
+              <a:rPr lang="en-US" dirty="0" smtClean="0"/>
+              <a:t>orientation </a:t>
+            </a:r>
+            <a:r>
+              <a:rPr lang="en-US" dirty="0" smtClean="0"/>
+              <a:t>words (positive impact only) and lower purity means mixed orientation words in a topic (positive and negative both).	</a:t>
             </a:r>
             <a:endParaRPr lang="en-US" b="1" dirty="0"/>
           </a:p>
